--- a/masters/ВКР/Презентация/GunkoNM_RK6-42M_Presentation.pptx
+++ b/masters/ВКР/Презентация/GunkoNM_RK6-42M_Presentation.pptx
@@ -5,28 +5,26 @@
     <p:sldMasterId id="2147483648" r:id="rId1"/>
   </p:sldMasterIdLst>
   <p:notesMasterIdLst>
-    <p:notesMasterId r:id="rId21"/>
+    <p:notesMasterId r:id="rId19"/>
   </p:notesMasterIdLst>
   <p:sldIdLst>
     <p:sldId id="256" r:id="rId2"/>
-    <p:sldId id="273" r:id="rId3"/>
-    <p:sldId id="276" r:id="rId4"/>
-    <p:sldId id="292" r:id="rId5"/>
-    <p:sldId id="278" r:id="rId6"/>
-    <p:sldId id="277" r:id="rId7"/>
-    <p:sldId id="293" r:id="rId8"/>
-    <p:sldId id="279" r:id="rId9"/>
-    <p:sldId id="301" r:id="rId10"/>
-    <p:sldId id="283" r:id="rId11"/>
-    <p:sldId id="294" r:id="rId12"/>
-    <p:sldId id="296" r:id="rId13"/>
-    <p:sldId id="297" r:id="rId14"/>
-    <p:sldId id="298" r:id="rId15"/>
-    <p:sldId id="299" r:id="rId16"/>
-    <p:sldId id="300" r:id="rId17"/>
-    <p:sldId id="295" r:id="rId18"/>
-    <p:sldId id="288" r:id="rId19"/>
-    <p:sldId id="289" r:id="rId20"/>
+    <p:sldId id="276" r:id="rId3"/>
+    <p:sldId id="292" r:id="rId4"/>
+    <p:sldId id="278" r:id="rId5"/>
+    <p:sldId id="277" r:id="rId6"/>
+    <p:sldId id="293" r:id="rId7"/>
+    <p:sldId id="279" r:id="rId8"/>
+    <p:sldId id="301" r:id="rId9"/>
+    <p:sldId id="283" r:id="rId10"/>
+    <p:sldId id="294" r:id="rId11"/>
+    <p:sldId id="296" r:id="rId12"/>
+    <p:sldId id="297" r:id="rId13"/>
+    <p:sldId id="298" r:id="rId14"/>
+    <p:sldId id="299" r:id="rId15"/>
+    <p:sldId id="300" r:id="rId16"/>
+    <p:sldId id="295" r:id="rId17"/>
+    <p:sldId id="288" r:id="rId18"/>
   </p:sldIdLst>
   <p:sldSz cx="4610100" cy="3460750"/>
   <p:notesSz cx="4610100" cy="3460750"/>
@@ -226,7 +224,7 @@
           <a:p>
             <a:fld id="{9C547ADD-9021-4B56-9704-593FA2B92072}" type="datetimeFigureOut">
               <a:rPr lang="ru-RU" smtClean="0"/>
-              <a:t>07.06.2025</a:t>
+              <a:t>08.06.2025</a:t>
             </a:fld>
             <a:endParaRPr lang="ru-RU"/>
           </a:p>
@@ -558,7 +556,7 @@
           <a:p>
             <a:fld id="{8FD44BF8-F11D-4543-936C-9F5A87714993}" type="slidenum">
               <a:rPr lang="ru-RU" smtClean="0"/>
-              <a:t>2</a:t>
+              <a:t>1</a:t>
             </a:fld>
             <a:endParaRPr lang="ru-RU"/>
           </a:p>
@@ -567,7 +565,7 @@
     </p:spTree>
     <p:extLst>
       <p:ext uri="{BB962C8B-B14F-4D97-AF65-F5344CB8AC3E}">
-        <p14:creationId xmlns:p14="http://schemas.microsoft.com/office/powerpoint/2010/main" val="2598003240"/>
+        <p14:creationId xmlns:p14="http://schemas.microsoft.com/office/powerpoint/2010/main" val="1334551650"/>
       </p:ext>
     </p:extLst>
   </p:cSld>
@@ -666,7 +664,7 @@
           <a:p>
             <a:fld id="{8FD44BF8-F11D-4543-936C-9F5A87714993}" type="slidenum">
               <a:rPr lang="ru-RU" smtClean="0"/>
-              <a:t>11</a:t>
+              <a:t>10</a:t>
             </a:fld>
             <a:endParaRPr lang="ru-RU"/>
           </a:p>
@@ -774,7 +772,7 @@
           <a:p>
             <a:fld id="{8FD44BF8-F11D-4543-936C-9F5A87714993}" type="slidenum">
               <a:rPr lang="ru-RU" smtClean="0"/>
-              <a:t>12</a:t>
+              <a:t>11</a:t>
             </a:fld>
             <a:endParaRPr lang="ru-RU"/>
           </a:p>
@@ -882,7 +880,7 @@
           <a:p>
             <a:fld id="{8FD44BF8-F11D-4543-936C-9F5A87714993}" type="slidenum">
               <a:rPr lang="ru-RU" smtClean="0"/>
-              <a:t>13</a:t>
+              <a:t>12</a:t>
             </a:fld>
             <a:endParaRPr lang="ru-RU"/>
           </a:p>
@@ -990,7 +988,7 @@
           <a:p>
             <a:fld id="{8FD44BF8-F11D-4543-936C-9F5A87714993}" type="slidenum">
               <a:rPr lang="ru-RU" smtClean="0"/>
-              <a:t>14</a:t>
+              <a:t>13</a:t>
             </a:fld>
             <a:endParaRPr lang="ru-RU"/>
           </a:p>
@@ -1098,7 +1096,7 @@
           <a:p>
             <a:fld id="{8FD44BF8-F11D-4543-936C-9F5A87714993}" type="slidenum">
               <a:rPr lang="ru-RU" smtClean="0"/>
-              <a:t>15</a:t>
+              <a:t>14</a:t>
             </a:fld>
             <a:endParaRPr lang="ru-RU"/>
           </a:p>
@@ -1206,7 +1204,7 @@
           <a:p>
             <a:fld id="{8FD44BF8-F11D-4543-936C-9F5A87714993}" type="slidenum">
               <a:rPr lang="ru-RU" smtClean="0"/>
-              <a:t>16</a:t>
+              <a:t>15</a:t>
             </a:fld>
             <a:endParaRPr lang="ru-RU"/>
           </a:p>
@@ -1314,7 +1312,7 @@
           <a:p>
             <a:fld id="{8FD44BF8-F11D-4543-936C-9F5A87714993}" type="slidenum">
               <a:rPr lang="ru-RU" smtClean="0"/>
-              <a:t>17</a:t>
+              <a:t>16</a:t>
             </a:fld>
             <a:endParaRPr lang="ru-RU"/>
           </a:p>
@@ -1398,7 +1396,7 @@
           <a:p>
             <a:fld id="{8FD44BF8-F11D-4543-936C-9F5A87714993}" type="slidenum">
               <a:rPr lang="ru-RU" smtClean="0"/>
-              <a:t>18</a:t>
+              <a:t>17</a:t>
             </a:fld>
             <a:endParaRPr lang="ru-RU"/>
           </a:p>
@@ -1408,90 +1406,6 @@
     <p:extLst>
       <p:ext uri="{BB962C8B-B14F-4D97-AF65-F5344CB8AC3E}">
         <p14:creationId xmlns:p14="http://schemas.microsoft.com/office/powerpoint/2010/main" val="3722007737"/>
-      </p:ext>
-    </p:extLst>
-  </p:cSld>
-  <p:clrMapOvr>
-    <a:masterClrMapping/>
-  </p:clrMapOvr>
-</p:notes>
-</file>
-
-<file path=ppt/notesSlides/notesSlide18.xml><?xml version="1.0" encoding="utf-8"?>
-<p:notes xmlns:a="http://schemas.openxmlformats.org/drawingml/2006/main" xmlns:r="http://schemas.openxmlformats.org/officeDocument/2006/relationships" xmlns:p="http://schemas.openxmlformats.org/presentationml/2006/main">
-  <p:cSld>
-    <p:spTree>
-      <p:nvGrpSpPr>
-        <p:cNvPr id="1" name=""/>
-        <p:cNvGrpSpPr/>
-        <p:nvPr/>
-      </p:nvGrpSpPr>
-      <p:grpSpPr>
-        <a:xfrm>
-          <a:off x="0" y="0"/>
-          <a:ext cx="0" cy="0"/>
-          <a:chOff x="0" y="0"/>
-          <a:chExt cx="0" cy="0"/>
-        </a:xfrm>
-      </p:grpSpPr>
-      <p:sp>
-        <p:nvSpPr>
-          <p:cNvPr id="2" name="Образ слайда 1"/>
-          <p:cNvSpPr>
-            <a:spLocks noGrp="1" noRot="1" noChangeAspect="1"/>
-          </p:cNvSpPr>
-          <p:nvPr>
-            <p:ph type="sldImg"/>
-          </p:nvPr>
-        </p:nvSpPr>
-        <p:spPr/>
-      </p:sp>
-      <p:sp>
-        <p:nvSpPr>
-          <p:cNvPr id="3" name="Заметки 2"/>
-          <p:cNvSpPr>
-            <a:spLocks noGrp="1"/>
-          </p:cNvSpPr>
-          <p:nvPr>
-            <p:ph type="body" idx="1"/>
-          </p:nvPr>
-        </p:nvSpPr>
-        <p:spPr/>
-        <p:txBody>
-          <a:bodyPr/>
-          <a:lstStyle/>
-          <a:p>
-            <a:endParaRPr lang="ru-RU" dirty="0"/>
-          </a:p>
-        </p:txBody>
-      </p:sp>
-      <p:sp>
-        <p:nvSpPr>
-          <p:cNvPr id="4" name="Номер слайда 3"/>
-          <p:cNvSpPr>
-            <a:spLocks noGrp="1"/>
-          </p:cNvSpPr>
-          <p:nvPr>
-            <p:ph type="sldNum" sz="quarter" idx="5"/>
-          </p:nvPr>
-        </p:nvSpPr>
-        <p:spPr/>
-        <p:txBody>
-          <a:bodyPr/>
-          <a:lstStyle/>
-          <a:p>
-            <a:fld id="{8FD44BF8-F11D-4543-936C-9F5A87714993}" type="slidenum">
-              <a:rPr lang="ru-RU" smtClean="0"/>
-              <a:t>19</a:t>
-            </a:fld>
-            <a:endParaRPr lang="ru-RU"/>
-          </a:p>
-        </p:txBody>
-      </p:sp>
-    </p:spTree>
-    <p:extLst>
-      <p:ext uri="{BB962C8B-B14F-4D97-AF65-F5344CB8AC3E}">
-        <p14:creationId xmlns:p14="http://schemas.microsoft.com/office/powerpoint/2010/main" val="3231491056"/>
       </p:ext>
     </p:extLst>
   </p:cSld>
@@ -1566,7 +1480,7 @@
           <a:p>
             <a:fld id="{8FD44BF8-F11D-4543-936C-9F5A87714993}" type="slidenum">
               <a:rPr lang="ru-RU" smtClean="0"/>
-              <a:t>3</a:t>
+              <a:t>2</a:t>
             </a:fld>
             <a:endParaRPr lang="ru-RU"/>
           </a:p>
@@ -1674,7 +1588,7 @@
           <a:p>
             <a:fld id="{8FD44BF8-F11D-4543-936C-9F5A87714993}" type="slidenum">
               <a:rPr lang="ru-RU" smtClean="0"/>
-              <a:t>4</a:t>
+              <a:t>3</a:t>
             </a:fld>
             <a:endParaRPr lang="ru-RU"/>
           </a:p>
@@ -1758,7 +1672,7 @@
           <a:p>
             <a:fld id="{8FD44BF8-F11D-4543-936C-9F5A87714993}" type="slidenum">
               <a:rPr lang="ru-RU" smtClean="0"/>
-              <a:t>5</a:t>
+              <a:t>4</a:t>
             </a:fld>
             <a:endParaRPr lang="ru-RU"/>
           </a:p>
@@ -1842,7 +1756,7 @@
           <a:p>
             <a:fld id="{8FD44BF8-F11D-4543-936C-9F5A87714993}" type="slidenum">
               <a:rPr lang="ru-RU" smtClean="0"/>
-              <a:t>6</a:t>
+              <a:t>5</a:t>
             </a:fld>
             <a:endParaRPr lang="ru-RU"/>
           </a:p>
@@ -1950,7 +1864,7 @@
           <a:p>
             <a:fld id="{8FD44BF8-F11D-4543-936C-9F5A87714993}" type="slidenum">
               <a:rPr lang="ru-RU" smtClean="0"/>
-              <a:t>7</a:t>
+              <a:t>6</a:t>
             </a:fld>
             <a:endParaRPr lang="ru-RU"/>
           </a:p>
@@ -2034,7 +1948,7 @@
           <a:p>
             <a:fld id="{8FD44BF8-F11D-4543-936C-9F5A87714993}" type="slidenum">
               <a:rPr lang="ru-RU" smtClean="0"/>
-              <a:t>8</a:t>
+              <a:t>7</a:t>
             </a:fld>
             <a:endParaRPr lang="ru-RU"/>
           </a:p>
@@ -2142,7 +2056,7 @@
           <a:p>
             <a:fld id="{8FD44BF8-F11D-4543-936C-9F5A87714993}" type="slidenum">
               <a:rPr lang="ru-RU" smtClean="0"/>
-              <a:t>9</a:t>
+              <a:t>8</a:t>
             </a:fld>
             <a:endParaRPr lang="ru-RU"/>
           </a:p>
@@ -2226,7 +2140,7 @@
           <a:p>
             <a:fld id="{8FD44BF8-F11D-4543-936C-9F5A87714993}" type="slidenum">
               <a:rPr lang="ru-RU" smtClean="0"/>
-              <a:t>10</a:t>
+              <a:t>9</a:t>
             </a:fld>
             <a:endParaRPr lang="ru-RU"/>
           </a:p>
@@ -2384,7 +2298,7 @@
           <a:p>
             <a:fld id="{A334AF77-F83F-4B7A-BC30-FB4C8B0C2E6D}" type="datetime1">
               <a:rPr lang="en-US" smtClean="0"/>
-              <a:t>6/7/2025</a:t>
+              <a:t>6/8/2025</a:t>
             </a:fld>
             <a:endParaRPr lang="en-US"/>
           </a:p>
@@ -2586,7 +2500,7 @@
           <a:p>
             <a:fld id="{10906F32-FF44-4D02-A0DA-740A7ACE4701}" type="datetime1">
               <a:rPr lang="en-US" smtClean="0"/>
-              <a:t>6/7/2025</a:t>
+              <a:t>6/8/2025</a:t>
             </a:fld>
             <a:endParaRPr lang="en-US" dirty="0"/>
           </a:p>
@@ -2825,7 +2739,7 @@
           <a:p>
             <a:fld id="{13771AAB-9748-4352-89BC-2D6829189A04}" type="datetime1">
               <a:rPr lang="en-US" smtClean="0"/>
-              <a:t>6/7/2025</a:t>
+              <a:t>6/8/2025</a:t>
             </a:fld>
             <a:endParaRPr lang="en-US" dirty="0"/>
           </a:p>
@@ -2995,7 +2909,7 @@
           <a:p>
             <a:fld id="{380C9450-8257-4AFA-AEDA-B66AA15BB2C9}" type="datetime1">
               <a:rPr lang="en-US" smtClean="0"/>
-              <a:t>6/7/2025</a:t>
+              <a:t>6/8/2025</a:t>
             </a:fld>
             <a:endParaRPr lang="en-US"/>
           </a:p>
@@ -3140,7 +3054,7 @@
           <a:p>
             <a:fld id="{395F9B47-F893-44A8-A979-42A19B9058C9}" type="datetime1">
               <a:rPr lang="en-US" smtClean="0"/>
-              <a:t>6/7/2025</a:t>
+              <a:t>6/8/2025</a:t>
             </a:fld>
             <a:endParaRPr lang="en-US"/>
           </a:p>
@@ -3413,7 +3327,7 @@
           <a:p>
             <a:fld id="{A6FEEA81-1057-47F2-BF74-B383739667C0}" type="datetime1">
               <a:rPr lang="en-US" smtClean="0"/>
-              <a:t>6/7/2025</a:t>
+              <a:t>6/8/2025</a:t>
             </a:fld>
             <a:endParaRPr lang="en-US" dirty="0"/>
           </a:p>
@@ -3669,7 +3583,7 @@
             <p:nvPr/>
           </p:nvPicPr>
           <p:blipFill>
-            <a:blip r:embed="rId2" cstate="print"/>
+            <a:blip r:embed="rId3" cstate="print"/>
             <a:stretch>
               <a:fillRect/>
             </a:stretch>
@@ -3691,7 +3605,7 @@
             <p:nvPr/>
           </p:nvPicPr>
           <p:blipFill>
-            <a:blip r:embed="rId3" cstate="print"/>
+            <a:blip r:embed="rId4" cstate="print"/>
             <a:stretch>
               <a:fillRect/>
             </a:stretch>
@@ -4034,582 +3948,6 @@
   <p:cSld>
     <p:spTree>
       <p:nvGrpSpPr>
-        <p:cNvPr id="1" name=""/>
-        <p:cNvGrpSpPr/>
-        <p:nvPr/>
-      </p:nvGrpSpPr>
-      <p:grpSpPr>
-        <a:xfrm>
-          <a:off x="0" y="0"/>
-          <a:ext cx="0" cy="0"/>
-          <a:chOff x="0" y="0"/>
-          <a:chExt cx="0" cy="0"/>
-        </a:xfrm>
-      </p:grpSpPr>
-      <p:sp>
-        <p:nvSpPr>
-          <p:cNvPr id="2" name="object 2"/>
-          <p:cNvSpPr txBox="1">
-            <a:spLocks noGrp="1"/>
-          </p:cNvSpPr>
-          <p:nvPr>
-            <p:ph type="title"/>
-          </p:nvPr>
-        </p:nvSpPr>
-        <p:spPr>
-          <a:xfrm>
-            <a:off x="196935" y="477093"/>
-            <a:ext cx="3896909" cy="196208"/>
-          </a:xfrm>
-          <a:prstGeom prst="rect">
-            <a:avLst/>
-          </a:prstGeom>
-        </p:spPr>
-        <p:txBody>
-          <a:bodyPr vert="horz" wrap="square" lIns="0" tIns="11430" rIns="0" bIns="0" rtlCol="0">
-            <a:spAutoFit/>
-          </a:bodyPr>
-          <a:lstStyle/>
-          <a:p>
-            <a:pPr marL="12700">
-              <a:lnSpc>
-                <a:spcPct val="100000"/>
-              </a:lnSpc>
-              <a:spcBef>
-                <a:spcPts val="90"/>
-              </a:spcBef>
-            </a:pPr>
-            <a:r>
-              <a:rPr lang="ru-RU" sz="1200" dirty="0">
-                <a:solidFill>
-                  <a:schemeClr val="tx1"/>
-                </a:solidFill>
-                <a:latin typeface="Times New Roman" panose="02020603050405020304" pitchFamily="18" charset="0"/>
-                <a:cs typeface="Times New Roman" panose="02020603050405020304" pitchFamily="18" charset="0"/>
-              </a:rPr>
-              <a:t>Архитектура программного решения</a:t>
-            </a:r>
-            <a:endParaRPr sz="1200" spc="-40" dirty="0">
-              <a:latin typeface="Times New Roman" panose="02020603050405020304" pitchFamily="18" charset="0"/>
-              <a:cs typeface="Times New Roman" panose="02020603050405020304" pitchFamily="18" charset="0"/>
-            </a:endParaRPr>
-          </a:p>
-        </p:txBody>
-      </p:sp>
-      <p:sp>
-        <p:nvSpPr>
-          <p:cNvPr id="121" name="Номер слайда 8">
-            <a:extLst>
-              <a:ext uri="{FF2B5EF4-FFF2-40B4-BE49-F238E27FC236}">
-                <a16:creationId xmlns:a16="http://schemas.microsoft.com/office/drawing/2014/main" id="{53F84418-E4D6-E2A5-3E0F-A9A56B4FC5BE}"/>
-              </a:ext>
-            </a:extLst>
-          </p:cNvPr>
-          <p:cNvSpPr txBox="1">
-            <a:spLocks/>
-          </p:cNvSpPr>
-          <p:nvPr/>
-        </p:nvSpPr>
-        <p:spPr>
-          <a:xfrm>
-            <a:off x="-20944" y="3319545"/>
-            <a:ext cx="527293" cy="137203"/>
-          </a:xfrm>
-          <a:prstGeom prst="rect">
-            <a:avLst/>
-          </a:prstGeom>
-        </p:spPr>
-        <p:txBody>
-          <a:bodyPr lIns="0" tIns="0" rIns="0" bIns="0"/>
-          <a:lstStyle>
-            <a:defPPr>
-              <a:defRPr lang="ru-RU"/>
-            </a:defPPr>
-            <a:lvl1pPr marL="0" algn="l" defTabSz="914400" rtl="0" eaLnBrk="1" latinLnBrk="0" hangingPunct="1">
-              <a:defRPr sz="800" b="0" i="0" kern="1200">
-                <a:solidFill>
-                  <a:srgbClr val="00B050"/>
-                </a:solidFill>
-                <a:latin typeface="Times New Roman" panose="02020603050405020304" pitchFamily="18" charset="0"/>
-                <a:ea typeface="+mn-ea"/>
-                <a:cs typeface="Times New Roman" panose="02020603050405020304" pitchFamily="18" charset="0"/>
-              </a:defRPr>
-            </a:lvl1pPr>
-            <a:lvl2pPr marL="457200" algn="l" defTabSz="914400" rtl="0" eaLnBrk="1" latinLnBrk="0" hangingPunct="1">
-              <a:defRPr sz="1800" kern="1200">
-                <a:solidFill>
-                  <a:schemeClr val="tx1"/>
-                </a:solidFill>
-                <a:latin typeface="+mn-lt"/>
-                <a:ea typeface="+mn-ea"/>
-                <a:cs typeface="+mn-cs"/>
-              </a:defRPr>
-            </a:lvl2pPr>
-            <a:lvl3pPr marL="914400" algn="l" defTabSz="914400" rtl="0" eaLnBrk="1" latinLnBrk="0" hangingPunct="1">
-              <a:defRPr sz="1800" kern="1200">
-                <a:solidFill>
-                  <a:schemeClr val="tx1"/>
-                </a:solidFill>
-                <a:latin typeface="+mn-lt"/>
-                <a:ea typeface="+mn-ea"/>
-                <a:cs typeface="+mn-cs"/>
-              </a:defRPr>
-            </a:lvl3pPr>
-            <a:lvl4pPr marL="1371600" algn="l" defTabSz="914400" rtl="0" eaLnBrk="1" latinLnBrk="0" hangingPunct="1">
-              <a:defRPr sz="1800" kern="1200">
-                <a:solidFill>
-                  <a:schemeClr val="tx1"/>
-                </a:solidFill>
-                <a:latin typeface="+mn-lt"/>
-                <a:ea typeface="+mn-ea"/>
-                <a:cs typeface="+mn-cs"/>
-              </a:defRPr>
-            </a:lvl4pPr>
-            <a:lvl5pPr marL="1828800" algn="l" defTabSz="914400" rtl="0" eaLnBrk="1" latinLnBrk="0" hangingPunct="1">
-              <a:defRPr sz="1800" kern="1200">
-                <a:solidFill>
-                  <a:schemeClr val="tx1"/>
-                </a:solidFill>
-                <a:latin typeface="+mn-lt"/>
-                <a:ea typeface="+mn-ea"/>
-                <a:cs typeface="+mn-cs"/>
-              </a:defRPr>
-            </a:lvl5pPr>
-            <a:lvl6pPr marL="2286000" algn="l" defTabSz="914400" rtl="0" eaLnBrk="1" latinLnBrk="0" hangingPunct="1">
-              <a:defRPr sz="1800" kern="1200">
-                <a:solidFill>
-                  <a:schemeClr val="tx1"/>
-                </a:solidFill>
-                <a:latin typeface="+mn-lt"/>
-                <a:ea typeface="+mn-ea"/>
-                <a:cs typeface="+mn-cs"/>
-              </a:defRPr>
-            </a:lvl6pPr>
-            <a:lvl7pPr marL="2743200" algn="l" defTabSz="914400" rtl="0" eaLnBrk="1" latinLnBrk="0" hangingPunct="1">
-              <a:defRPr sz="1800" kern="1200">
-                <a:solidFill>
-                  <a:schemeClr val="tx1"/>
-                </a:solidFill>
-                <a:latin typeface="+mn-lt"/>
-                <a:ea typeface="+mn-ea"/>
-                <a:cs typeface="+mn-cs"/>
-              </a:defRPr>
-            </a:lvl7pPr>
-            <a:lvl8pPr marL="3200400" algn="l" defTabSz="914400" rtl="0" eaLnBrk="1" latinLnBrk="0" hangingPunct="1">
-              <a:defRPr sz="1800" kern="1200">
-                <a:solidFill>
-                  <a:schemeClr val="tx1"/>
-                </a:solidFill>
-                <a:latin typeface="+mn-lt"/>
-                <a:ea typeface="+mn-ea"/>
-                <a:cs typeface="+mn-cs"/>
-              </a:defRPr>
-            </a:lvl8pPr>
-            <a:lvl9pPr marL="3657600" algn="l" defTabSz="914400" rtl="0" eaLnBrk="1" latinLnBrk="0" hangingPunct="1">
-              <a:defRPr sz="1800" kern="1200">
-                <a:solidFill>
-                  <a:schemeClr val="tx1"/>
-                </a:solidFill>
-                <a:latin typeface="+mn-lt"/>
-                <a:ea typeface="+mn-ea"/>
-                <a:cs typeface="+mn-cs"/>
-              </a:defRPr>
-            </a:lvl9pPr>
-          </a:lstStyle>
-          <a:p>
-            <a:pPr marL="38100">
-              <a:spcBef>
-                <a:spcPts val="95"/>
-              </a:spcBef>
-            </a:pPr>
-            <a:fld id="{81D60167-4931-47E6-BA6A-407CBD079E47}" type="slidenum">
-              <a:rPr lang="ru-RU" spc="-5" smtClean="0">
-                <a:solidFill>
-                  <a:srgbClr val="0070C0"/>
-                </a:solidFill>
-              </a:rPr>
-              <a:pPr marL="38100">
-                <a:spcBef>
-                  <a:spcPts val="95"/>
-                </a:spcBef>
-              </a:pPr>
-              <a:t>10</a:t>
-            </a:fld>
-            <a:endParaRPr lang="ru-RU" spc="-5" dirty="0">
-              <a:solidFill>
-                <a:srgbClr val="0070C0"/>
-              </a:solidFill>
-            </a:endParaRPr>
-          </a:p>
-        </p:txBody>
-      </p:sp>
-      <p:cxnSp>
-        <p:nvCxnSpPr>
-          <p:cNvPr id="9" name="Прямая соединительная линия 8">
-            <a:extLst>
-              <a:ext uri="{FF2B5EF4-FFF2-40B4-BE49-F238E27FC236}">
-                <a16:creationId xmlns:a16="http://schemas.microsoft.com/office/drawing/2014/main" id="{15DFC3CF-B111-A4CE-3C17-E25DEAA7304D}"/>
-              </a:ext>
-            </a:extLst>
-          </p:cNvPr>
-          <p:cNvCxnSpPr>
-            <a:cxnSpLocks/>
-          </p:cNvCxnSpPr>
-          <p:nvPr/>
-        </p:nvCxnSpPr>
-        <p:spPr>
-          <a:xfrm>
-            <a:off x="196936" y="763600"/>
-            <a:ext cx="4216227" cy="0"/>
-          </a:xfrm>
-          <a:prstGeom prst="line">
-            <a:avLst/>
-          </a:prstGeom>
-          <a:ln>
-            <a:solidFill>
-              <a:srgbClr val="0070C0"/>
-            </a:solidFill>
-          </a:ln>
-        </p:spPr>
-        <p:style>
-          <a:lnRef idx="1">
-            <a:schemeClr val="accent1"/>
-          </a:lnRef>
-          <a:fillRef idx="0">
-            <a:schemeClr val="accent1"/>
-          </a:fillRef>
-          <a:effectRef idx="0">
-            <a:schemeClr val="accent1"/>
-          </a:effectRef>
-          <a:fontRef idx="minor">
-            <a:schemeClr val="tx1"/>
-          </a:fontRef>
-        </p:style>
-      </p:cxnSp>
-      <p:pic>
-        <p:nvPicPr>
-          <p:cNvPr id="8" name="Рисунок 7">
-            <a:extLst>
-              <a:ext uri="{FF2B5EF4-FFF2-40B4-BE49-F238E27FC236}">
-                <a16:creationId xmlns:a16="http://schemas.microsoft.com/office/drawing/2014/main" id="{87DA96CA-DF86-2D71-C5DD-F20C298A17B5}"/>
-              </a:ext>
-            </a:extLst>
-          </p:cNvPr>
-          <p:cNvPicPr>
-            <a:picLocks noChangeAspect="1"/>
-          </p:cNvPicPr>
-          <p:nvPr/>
-        </p:nvPicPr>
-        <p:blipFill>
-          <a:blip r:embed="rId3"/>
-          <a:stretch>
-            <a:fillRect/>
-          </a:stretch>
-        </p:blipFill>
-        <p:spPr>
-          <a:xfrm>
-            <a:off x="425542" y="869976"/>
-            <a:ext cx="3769994" cy="2319462"/>
-          </a:xfrm>
-          <a:prstGeom prst="rect">
-            <a:avLst/>
-          </a:prstGeom>
-        </p:spPr>
-      </p:pic>
-      <p:sp>
-        <p:nvSpPr>
-          <p:cNvPr id="11" name="Прямоугольник 10">
-            <a:extLst>
-              <a:ext uri="{FF2B5EF4-FFF2-40B4-BE49-F238E27FC236}">
-                <a16:creationId xmlns:a16="http://schemas.microsoft.com/office/drawing/2014/main" id="{C8B6DBE0-6038-4735-F010-EAA98870C787}"/>
-              </a:ext>
-            </a:extLst>
-          </p:cNvPr>
-          <p:cNvSpPr/>
-          <p:nvPr/>
-        </p:nvSpPr>
-        <p:spPr>
-          <a:xfrm>
-            <a:off x="-20944" y="3295813"/>
-            <a:ext cx="4642023" cy="184666"/>
-          </a:xfrm>
-          <a:prstGeom prst="rect">
-            <a:avLst/>
-          </a:prstGeom>
-          <a:solidFill>
-            <a:schemeClr val="accent1">
-              <a:alpha val="20000"/>
-            </a:schemeClr>
-          </a:solidFill>
-          <a:ln>
-            <a:noFill/>
-          </a:ln>
-        </p:spPr>
-        <p:style>
-          <a:lnRef idx="2">
-            <a:schemeClr val="accent1">
-              <a:shade val="15000"/>
-            </a:schemeClr>
-          </a:lnRef>
-          <a:fillRef idx="1">
-            <a:schemeClr val="accent1"/>
-          </a:fillRef>
-          <a:effectRef idx="0">
-            <a:schemeClr val="accent1"/>
-          </a:effectRef>
-          <a:fontRef idx="minor">
-            <a:schemeClr val="lt1"/>
-          </a:fontRef>
-        </p:style>
-        <p:txBody>
-          <a:bodyPr rtlCol="0" anchor="ctr"/>
-          <a:lstStyle/>
-          <a:p>
-            <a:pPr algn="r"/>
-            <a:r>
-              <a:rPr lang="ru-RU" sz="600" b="1" dirty="0">
-                <a:solidFill>
-                  <a:schemeClr val="bg1">
-                    <a:lumMod val="50000"/>
-                  </a:schemeClr>
-                </a:solidFill>
-                <a:latin typeface="Times New Roman" panose="02020603050405020304" pitchFamily="18" charset="0"/>
-                <a:cs typeface="Times New Roman" panose="02020603050405020304" pitchFamily="18" charset="0"/>
-              </a:rPr>
-              <a:t>Автоматизация обработки отчётов об ошибках в программном обеспечении с помощью больших языковых моделей</a:t>
-            </a:r>
-            <a:endParaRPr lang="ru-RU" sz="600" dirty="0">
-              <a:solidFill>
-                <a:schemeClr val="bg1">
-                  <a:lumMod val="50000"/>
-                </a:schemeClr>
-              </a:solidFill>
-            </a:endParaRPr>
-          </a:p>
-        </p:txBody>
-      </p:sp>
-      <p:sp>
-        <p:nvSpPr>
-          <p:cNvPr id="12" name="TextBox 11">
-            <a:extLst>
-              <a:ext uri="{FF2B5EF4-FFF2-40B4-BE49-F238E27FC236}">
-                <a16:creationId xmlns:a16="http://schemas.microsoft.com/office/drawing/2014/main" id="{F6EE6679-3DD7-13C1-9123-F0D439EF1C11}"/>
-              </a:ext>
-            </a:extLst>
-          </p:cNvPr>
-          <p:cNvSpPr txBox="1"/>
-          <p:nvPr/>
-        </p:nvSpPr>
-        <p:spPr>
-          <a:xfrm>
-            <a:off x="0" y="-2933"/>
-            <a:ext cx="4621079" cy="338554"/>
-          </a:xfrm>
-          <a:prstGeom prst="rect">
-            <a:avLst/>
-          </a:prstGeom>
-          <a:solidFill>
-            <a:schemeClr val="accent1">
-              <a:alpha val="20000"/>
-            </a:schemeClr>
-          </a:solidFill>
-        </p:spPr>
-        <p:txBody>
-          <a:bodyPr wrap="square" rtlCol="0">
-            <a:spAutoFit/>
-          </a:bodyPr>
-          <a:lstStyle/>
-          <a:p>
-            <a:pPr algn="just"/>
-            <a:r>
-              <a:rPr lang="ru-RU" sz="800" dirty="0">
-                <a:solidFill>
-                  <a:schemeClr val="bg1">
-                    <a:lumMod val="75000"/>
-                  </a:schemeClr>
-                </a:solidFill>
-                <a:latin typeface="Times New Roman" panose="02020603050405020304" pitchFamily="18" charset="0"/>
-                <a:cs typeface="Times New Roman" panose="02020603050405020304" pitchFamily="18" charset="0"/>
-              </a:rPr>
-              <a:t>Введение</a:t>
-            </a:r>
-            <a:r>
-              <a:rPr lang="ru-RU" sz="800" dirty="0">
-                <a:latin typeface="Times New Roman" panose="02020603050405020304" pitchFamily="18" charset="0"/>
-                <a:cs typeface="Times New Roman" panose="02020603050405020304" pitchFamily="18" charset="0"/>
-              </a:rPr>
-              <a:t> </a:t>
-            </a:r>
-            <a:r>
-              <a:rPr lang="en-US" sz="800" dirty="0">
-                <a:solidFill>
-                  <a:schemeClr val="bg1">
-                    <a:lumMod val="75000"/>
-                  </a:schemeClr>
-                </a:solidFill>
-                <a:latin typeface="Times New Roman" panose="02020603050405020304" pitchFamily="18" charset="0"/>
-                <a:cs typeface="Times New Roman" panose="02020603050405020304" pitchFamily="18" charset="0"/>
-              </a:rPr>
-              <a:t>| </a:t>
-            </a:r>
-            <a:r>
-              <a:rPr lang="ru-RU" sz="800" dirty="0">
-                <a:solidFill>
-                  <a:schemeClr val="bg1">
-                    <a:lumMod val="75000"/>
-                  </a:schemeClr>
-                </a:solidFill>
-                <a:latin typeface="Times New Roman" panose="02020603050405020304" pitchFamily="18" charset="0"/>
-                <a:cs typeface="Times New Roman" panose="02020603050405020304" pitchFamily="18" charset="0"/>
-              </a:rPr>
-              <a:t>Структура баг-репорта </a:t>
-            </a:r>
-            <a:r>
-              <a:rPr lang="en-US" sz="800" dirty="0">
-                <a:solidFill>
-                  <a:schemeClr val="bg1">
-                    <a:lumMod val="75000"/>
-                  </a:schemeClr>
-                </a:solidFill>
-                <a:latin typeface="Times New Roman" panose="02020603050405020304" pitchFamily="18" charset="0"/>
-                <a:cs typeface="Times New Roman" panose="02020603050405020304" pitchFamily="18" charset="0"/>
-              </a:rPr>
-              <a:t>|</a:t>
-            </a:r>
-            <a:r>
-              <a:rPr lang="ru-RU" sz="800" dirty="0">
-                <a:solidFill>
-                  <a:schemeClr val="bg1">
-                    <a:lumMod val="75000"/>
-                  </a:schemeClr>
-                </a:solidFill>
-                <a:latin typeface="Times New Roman" panose="02020603050405020304" pitchFamily="18" charset="0"/>
-                <a:cs typeface="Times New Roman" panose="02020603050405020304" pitchFamily="18" charset="0"/>
-              </a:rPr>
-              <a:t> Проблемы и актуальность</a:t>
-            </a:r>
-            <a:r>
-              <a:rPr lang="en-US" sz="800" dirty="0">
-                <a:solidFill>
-                  <a:schemeClr val="bg1">
-                    <a:lumMod val="75000"/>
-                  </a:schemeClr>
-                </a:solidFill>
-                <a:latin typeface="Times New Roman" panose="02020603050405020304" pitchFamily="18" charset="0"/>
-                <a:cs typeface="Times New Roman" panose="02020603050405020304" pitchFamily="18" charset="0"/>
-              </a:rPr>
-              <a:t> | </a:t>
-            </a:r>
-            <a:r>
-              <a:rPr lang="ru-RU" sz="800" dirty="0">
-                <a:solidFill>
-                  <a:schemeClr val="bg1">
-                    <a:lumMod val="75000"/>
-                  </a:schemeClr>
-                </a:solidFill>
-                <a:latin typeface="Times New Roman" panose="02020603050405020304" pitchFamily="18" charset="0"/>
-                <a:cs typeface="Times New Roman" panose="02020603050405020304" pitchFamily="18" charset="0"/>
-              </a:rPr>
-              <a:t>Сравнение языковых моделей </a:t>
-            </a:r>
-            <a:r>
-              <a:rPr lang="en-US" sz="800" dirty="0">
-                <a:solidFill>
-                  <a:schemeClr val="bg1">
-                    <a:lumMod val="75000"/>
-                  </a:schemeClr>
-                </a:solidFill>
-                <a:latin typeface="Times New Roman" panose="02020603050405020304" pitchFamily="18" charset="0"/>
-                <a:cs typeface="Times New Roman" panose="02020603050405020304" pitchFamily="18" charset="0"/>
-              </a:rPr>
-              <a:t>| </a:t>
-            </a:r>
-            <a:r>
-              <a:rPr lang="ru-RU" sz="800" dirty="0">
-                <a:latin typeface="Times New Roman" panose="02020603050405020304" pitchFamily="18" charset="0"/>
-                <a:cs typeface="Times New Roman" panose="02020603050405020304" pitchFamily="18" charset="0"/>
-              </a:rPr>
-              <a:t>Программная реализация и тестирование</a:t>
-            </a:r>
-            <a:r>
-              <a:rPr lang="en-US" sz="800" dirty="0">
-                <a:latin typeface="Times New Roman" panose="02020603050405020304" pitchFamily="18" charset="0"/>
-                <a:cs typeface="Times New Roman" panose="02020603050405020304" pitchFamily="18" charset="0"/>
-              </a:rPr>
-              <a:t> </a:t>
-            </a:r>
-            <a:r>
-              <a:rPr lang="en-US" sz="800" dirty="0">
-                <a:solidFill>
-                  <a:schemeClr val="bg1">
-                    <a:lumMod val="75000"/>
-                  </a:schemeClr>
-                </a:solidFill>
-                <a:latin typeface="Times New Roman" panose="02020603050405020304" pitchFamily="18" charset="0"/>
-                <a:cs typeface="Times New Roman" panose="02020603050405020304" pitchFamily="18" charset="0"/>
-              </a:rPr>
-              <a:t>| </a:t>
-            </a:r>
-            <a:r>
-              <a:rPr lang="ru-RU" sz="800" dirty="0">
-                <a:solidFill>
-                  <a:schemeClr val="bg1">
-                    <a:lumMod val="75000"/>
-                  </a:schemeClr>
-                </a:solidFill>
-                <a:latin typeface="Times New Roman" panose="02020603050405020304" pitchFamily="18" charset="0"/>
-                <a:cs typeface="Times New Roman" panose="02020603050405020304" pitchFamily="18" charset="0"/>
-              </a:rPr>
-              <a:t>Анализ результатов</a:t>
-            </a:r>
-            <a:r>
-              <a:rPr lang="en-US" sz="800" dirty="0">
-                <a:solidFill>
-                  <a:schemeClr val="bg1">
-                    <a:lumMod val="75000"/>
-                  </a:schemeClr>
-                </a:solidFill>
-                <a:latin typeface="Times New Roman" panose="02020603050405020304" pitchFamily="18" charset="0"/>
-                <a:cs typeface="Times New Roman" panose="02020603050405020304" pitchFamily="18" charset="0"/>
-              </a:rPr>
-              <a:t> |</a:t>
-            </a:r>
-            <a:r>
-              <a:rPr lang="ru-RU" sz="800" dirty="0">
-                <a:solidFill>
-                  <a:schemeClr val="bg1">
-                    <a:lumMod val="75000"/>
-                  </a:schemeClr>
-                </a:solidFill>
-                <a:latin typeface="Times New Roman" panose="02020603050405020304" pitchFamily="18" charset="0"/>
-                <a:cs typeface="Times New Roman" panose="02020603050405020304" pitchFamily="18" charset="0"/>
-              </a:rPr>
-              <a:t> Заключение</a:t>
-            </a:r>
-          </a:p>
-        </p:txBody>
-      </p:sp>
-    </p:spTree>
-    <p:extLst>
-      <p:ext uri="{BB962C8B-B14F-4D97-AF65-F5344CB8AC3E}">
-        <p14:creationId xmlns:p14="http://schemas.microsoft.com/office/powerpoint/2010/main" val="2254894112"/>
-      </p:ext>
-    </p:extLst>
-  </p:cSld>
-  <p:clrMapOvr>
-    <a:masterClrMapping/>
-  </p:clrMapOvr>
-  <p:transition>
-    <p:cut/>
-  </p:transition>
-</p:sld>
-</file>
-
-<file path=ppt/slides/slide11.xml><?xml version="1.0" encoding="utf-8"?>
-<p:sld xmlns:a="http://schemas.openxmlformats.org/drawingml/2006/main" xmlns:r="http://schemas.openxmlformats.org/officeDocument/2006/relationships" xmlns:p="http://schemas.openxmlformats.org/presentationml/2006/main" showMasterSp="0">
-  <p:cSld>
-    <p:spTree>
-      <p:nvGrpSpPr>
         <p:cNvPr id="1" name="">
           <a:extLst>
             <a:ext uri="{FF2B5EF4-FFF2-40B4-BE49-F238E27FC236}">
@@ -4818,7 +4156,7 @@
                   <a:spcPts val="95"/>
                 </a:spcBef>
               </a:pPr>
-              <a:t>11</a:t>
+              <a:t>10</a:t>
             </a:fld>
             <a:endParaRPr lang="ru-RU" spc="-5" dirty="0">
               <a:solidFill>
@@ -5340,7 +4678,7 @@
 </p:sld>
 </file>
 
-<file path=ppt/slides/slide12.xml><?xml version="1.0" encoding="utf-8"?>
+<file path=ppt/slides/slide11.xml><?xml version="1.0" encoding="utf-8"?>
 <p:sld xmlns:a="http://schemas.openxmlformats.org/drawingml/2006/main" xmlns:r="http://schemas.openxmlformats.org/officeDocument/2006/relationships" xmlns:p="http://schemas.openxmlformats.org/presentationml/2006/main" showMasterSp="0">
   <p:cSld>
     <p:spTree>
@@ -5553,7 +4891,7 @@
                   <a:spcPts val="95"/>
                 </a:spcBef>
               </a:pPr>
-              <a:t>12</a:t>
+              <a:t>11</a:t>
             </a:fld>
             <a:endParaRPr lang="ru-RU" spc="-5" dirty="0">
               <a:solidFill>
@@ -5955,7 +5293,7 @@
 </p:sld>
 </file>
 
-<file path=ppt/slides/slide13.xml><?xml version="1.0" encoding="utf-8"?>
+<file path=ppt/slides/slide12.xml><?xml version="1.0" encoding="utf-8"?>
 <p:sld xmlns:a="http://schemas.openxmlformats.org/drawingml/2006/main" xmlns:r="http://schemas.openxmlformats.org/officeDocument/2006/relationships" xmlns:p="http://schemas.openxmlformats.org/presentationml/2006/main" showMasterSp="0">
   <p:cSld>
     <p:spTree>
@@ -5997,7 +5335,7 @@
         <p:spPr>
           <a:xfrm>
             <a:off x="196935" y="477093"/>
-            <a:ext cx="3896909" cy="196208"/>
+            <a:ext cx="3896909" cy="380873"/>
           </a:xfrm>
           <a:prstGeom prst="rect">
             <a:avLst/>
@@ -6022,9 +5360,32 @@
                 <a:latin typeface="Times New Roman" panose="02020603050405020304" pitchFamily="18" charset="0"/>
                 <a:cs typeface="Times New Roman" panose="02020603050405020304" pitchFamily="18" charset="0"/>
               </a:rPr>
-              <a:t>Результаты работы моделей с баг-репортом №1</a:t>
+              <a:t>Результаты работы моделей с баг-репортом №1 </a:t>
+            </a:r>
+            <a:r>
+              <a:rPr lang="en-US" sz="1200" spc="-40" dirty="0">
+                <a:highlight>
+                  <a:srgbClr val="FFFF00"/>
+                </a:highlight>
+                <a:latin typeface="Times New Roman" panose="02020603050405020304" pitchFamily="18" charset="0"/>
+                <a:cs typeface="Times New Roman" panose="02020603050405020304" pitchFamily="18" charset="0"/>
+              </a:rPr>
+              <a:t>// </a:t>
+            </a:r>
+            <a:r>
+              <a:rPr lang="ru-RU" sz="1200" spc="-40" dirty="0">
+                <a:highlight>
+                  <a:srgbClr val="FFFF00"/>
+                </a:highlight>
+                <a:latin typeface="Times New Roman" panose="02020603050405020304" pitchFamily="18" charset="0"/>
+                <a:cs typeface="Times New Roman" panose="02020603050405020304" pitchFamily="18" charset="0"/>
+              </a:rPr>
+              <a:t>добавить запрос</a:t>
             </a:r>
             <a:endParaRPr sz="1200" spc="-40" dirty="0">
+              <a:highlight>
+                <a:srgbClr val="FFFF00"/>
+              </a:highlight>
               <a:latin typeface="Times New Roman" panose="02020603050405020304" pitchFamily="18" charset="0"/>
               <a:cs typeface="Times New Roman" panose="02020603050405020304" pitchFamily="18" charset="0"/>
             </a:endParaRPr>
@@ -6168,7 +5529,7 @@
                   <a:spcPts val="95"/>
                 </a:spcBef>
               </a:pPr>
-              <a:t>13</a:t>
+              <a:t>12</a:t>
             </a:fld>
             <a:endParaRPr lang="ru-RU" spc="-5" dirty="0">
               <a:solidFill>
@@ -6631,7 +5992,7 @@
 </p:sld>
 </file>
 
-<file path=ppt/slides/slide14.xml><?xml version="1.0" encoding="utf-8"?>
+<file path=ppt/slides/slide13.xml><?xml version="1.0" encoding="utf-8"?>
 <p:sld xmlns:a="http://schemas.openxmlformats.org/drawingml/2006/main" xmlns:r="http://schemas.openxmlformats.org/officeDocument/2006/relationships" xmlns:p="http://schemas.openxmlformats.org/presentationml/2006/main" showMasterSp="0">
   <p:cSld>
     <p:spTree>
@@ -6844,7 +6205,7 @@
                   <a:spcPts val="95"/>
                 </a:spcBef>
               </a:pPr>
-              <a:t>14</a:t>
+              <a:t>13</a:t>
             </a:fld>
             <a:endParaRPr lang="ru-RU" spc="-5" dirty="0">
               <a:solidFill>
@@ -7216,7 +6577,7 @@
 </p:sld>
 </file>
 
-<file path=ppt/slides/slide15.xml><?xml version="1.0" encoding="utf-8"?>
+<file path=ppt/slides/slide14.xml><?xml version="1.0" encoding="utf-8"?>
 <p:sld xmlns:a="http://schemas.openxmlformats.org/drawingml/2006/main" xmlns:r="http://schemas.openxmlformats.org/officeDocument/2006/relationships" xmlns:p="http://schemas.openxmlformats.org/presentationml/2006/main" showMasterSp="0">
   <p:cSld>
     <p:spTree>
@@ -7429,7 +6790,7 @@
                   <a:spcPts val="95"/>
                 </a:spcBef>
               </a:pPr>
-              <a:t>15</a:t>
+              <a:t>14</a:t>
             </a:fld>
             <a:endParaRPr lang="ru-RU" spc="-5" dirty="0">
               <a:solidFill>
@@ -7891,7 +7252,7 @@
 </p:sld>
 </file>
 
-<file path=ppt/slides/slide16.xml><?xml version="1.0" encoding="utf-8"?>
+<file path=ppt/slides/slide15.xml><?xml version="1.0" encoding="utf-8"?>
 <p:sld xmlns:a="http://schemas.openxmlformats.org/drawingml/2006/main" xmlns:r="http://schemas.openxmlformats.org/officeDocument/2006/relationships" xmlns:p="http://schemas.openxmlformats.org/presentationml/2006/main" showMasterSp="0">
   <p:cSld>
     <p:spTree>
@@ -8104,7 +7465,7 @@
                   <a:spcPts val="95"/>
                 </a:spcBef>
               </a:pPr>
-              <a:t>16</a:t>
+              <a:t>15</a:t>
             </a:fld>
             <a:endParaRPr lang="ru-RU" spc="-5" dirty="0">
               <a:solidFill>
@@ -8476,7 +7837,7 @@
 </p:sld>
 </file>
 
-<file path=ppt/slides/slide17.xml><?xml version="1.0" encoding="utf-8"?>
+<file path=ppt/slides/slide16.xml><?xml version="1.0" encoding="utf-8"?>
 <p:sld xmlns:a="http://schemas.openxmlformats.org/drawingml/2006/main" xmlns:r="http://schemas.openxmlformats.org/officeDocument/2006/relationships" xmlns:p="http://schemas.openxmlformats.org/presentationml/2006/main" showMasterSp="0">
   <p:cSld>
     <p:spTree>
@@ -8689,7 +8050,7 @@
                   <a:spcPts val="95"/>
                 </a:spcBef>
               </a:pPr>
-              <a:t>17</a:t>
+              <a:t>16</a:t>
             </a:fld>
             <a:endParaRPr lang="ru-RU" spc="-5" dirty="0">
               <a:solidFill>
@@ -9098,7 +8459,7 @@
 </p:sld>
 </file>
 
-<file path=ppt/slides/slide18.xml><?xml version="1.0" encoding="utf-8"?>
+<file path=ppt/slides/slide17.xml><?xml version="1.0" encoding="utf-8"?>
 <p:sld xmlns:a="http://schemas.openxmlformats.org/drawingml/2006/main" xmlns:r="http://schemas.openxmlformats.org/officeDocument/2006/relationships" xmlns:p="http://schemas.openxmlformats.org/presentationml/2006/main" showMasterSp="0">
   <p:cSld>
     <p:spTree>
@@ -9252,7 +8613,7 @@
                   <a:spcPts val="95"/>
                 </a:spcBef>
               </a:pPr>
-              <a:t>18</a:t>
+              <a:t>17</a:t>
             </a:fld>
             <a:endParaRPr lang="ru-RU" spc="-5" dirty="0">
               <a:solidFill>
@@ -9702,646 +9063,6 @@
 </p:sld>
 </file>
 
-<file path=ppt/slides/slide19.xml><?xml version="1.0" encoding="utf-8"?>
-<p:sld xmlns:a="http://schemas.openxmlformats.org/drawingml/2006/main" xmlns:r="http://schemas.openxmlformats.org/officeDocument/2006/relationships" xmlns:p="http://schemas.openxmlformats.org/presentationml/2006/main" showMasterSp="0">
-  <p:cSld>
-    <p:spTree>
-      <p:nvGrpSpPr>
-        <p:cNvPr id="1" name=""/>
-        <p:cNvGrpSpPr/>
-        <p:nvPr/>
-      </p:nvGrpSpPr>
-      <p:grpSpPr>
-        <a:xfrm>
-          <a:off x="0" y="0"/>
-          <a:ext cx="0" cy="0"/>
-          <a:chOff x="0" y="0"/>
-          <a:chExt cx="0" cy="0"/>
-        </a:xfrm>
-      </p:grpSpPr>
-      <p:sp>
-        <p:nvSpPr>
-          <p:cNvPr id="121" name="Номер слайда 8">
-            <a:extLst>
-              <a:ext uri="{FF2B5EF4-FFF2-40B4-BE49-F238E27FC236}">
-                <a16:creationId xmlns:a16="http://schemas.microsoft.com/office/drawing/2014/main" id="{53F84418-E4D6-E2A5-3E0F-A9A56B4FC5BE}"/>
-              </a:ext>
-            </a:extLst>
-          </p:cNvPr>
-          <p:cNvSpPr txBox="1">
-            <a:spLocks/>
-          </p:cNvSpPr>
-          <p:nvPr/>
-        </p:nvSpPr>
-        <p:spPr>
-          <a:xfrm>
-            <a:off x="-20944" y="3319545"/>
-            <a:ext cx="527293" cy="137203"/>
-          </a:xfrm>
-          <a:prstGeom prst="rect">
-            <a:avLst/>
-          </a:prstGeom>
-        </p:spPr>
-        <p:txBody>
-          <a:bodyPr lIns="0" tIns="0" rIns="0" bIns="0"/>
-          <a:lstStyle>
-            <a:defPPr>
-              <a:defRPr lang="ru-RU"/>
-            </a:defPPr>
-            <a:lvl1pPr marL="0" algn="l" defTabSz="914400" rtl="0" eaLnBrk="1" latinLnBrk="0" hangingPunct="1">
-              <a:defRPr sz="800" b="0" i="0" kern="1200">
-                <a:solidFill>
-                  <a:srgbClr val="00B050"/>
-                </a:solidFill>
-                <a:latin typeface="Times New Roman" panose="02020603050405020304" pitchFamily="18" charset="0"/>
-                <a:ea typeface="+mn-ea"/>
-                <a:cs typeface="Times New Roman" panose="02020603050405020304" pitchFamily="18" charset="0"/>
-              </a:defRPr>
-            </a:lvl1pPr>
-            <a:lvl2pPr marL="457200" algn="l" defTabSz="914400" rtl="0" eaLnBrk="1" latinLnBrk="0" hangingPunct="1">
-              <a:defRPr sz="1800" kern="1200">
-                <a:solidFill>
-                  <a:schemeClr val="tx1"/>
-                </a:solidFill>
-                <a:latin typeface="+mn-lt"/>
-                <a:ea typeface="+mn-ea"/>
-                <a:cs typeface="+mn-cs"/>
-              </a:defRPr>
-            </a:lvl2pPr>
-            <a:lvl3pPr marL="914400" algn="l" defTabSz="914400" rtl="0" eaLnBrk="1" latinLnBrk="0" hangingPunct="1">
-              <a:defRPr sz="1800" kern="1200">
-                <a:solidFill>
-                  <a:schemeClr val="tx1"/>
-                </a:solidFill>
-                <a:latin typeface="+mn-lt"/>
-                <a:ea typeface="+mn-ea"/>
-                <a:cs typeface="+mn-cs"/>
-              </a:defRPr>
-            </a:lvl3pPr>
-            <a:lvl4pPr marL="1371600" algn="l" defTabSz="914400" rtl="0" eaLnBrk="1" latinLnBrk="0" hangingPunct="1">
-              <a:defRPr sz="1800" kern="1200">
-                <a:solidFill>
-                  <a:schemeClr val="tx1"/>
-                </a:solidFill>
-                <a:latin typeface="+mn-lt"/>
-                <a:ea typeface="+mn-ea"/>
-                <a:cs typeface="+mn-cs"/>
-              </a:defRPr>
-            </a:lvl4pPr>
-            <a:lvl5pPr marL="1828800" algn="l" defTabSz="914400" rtl="0" eaLnBrk="1" latinLnBrk="0" hangingPunct="1">
-              <a:defRPr sz="1800" kern="1200">
-                <a:solidFill>
-                  <a:schemeClr val="tx1"/>
-                </a:solidFill>
-                <a:latin typeface="+mn-lt"/>
-                <a:ea typeface="+mn-ea"/>
-                <a:cs typeface="+mn-cs"/>
-              </a:defRPr>
-            </a:lvl5pPr>
-            <a:lvl6pPr marL="2286000" algn="l" defTabSz="914400" rtl="0" eaLnBrk="1" latinLnBrk="0" hangingPunct="1">
-              <a:defRPr sz="1800" kern="1200">
-                <a:solidFill>
-                  <a:schemeClr val="tx1"/>
-                </a:solidFill>
-                <a:latin typeface="+mn-lt"/>
-                <a:ea typeface="+mn-ea"/>
-                <a:cs typeface="+mn-cs"/>
-              </a:defRPr>
-            </a:lvl6pPr>
-            <a:lvl7pPr marL="2743200" algn="l" defTabSz="914400" rtl="0" eaLnBrk="1" latinLnBrk="0" hangingPunct="1">
-              <a:defRPr sz="1800" kern="1200">
-                <a:solidFill>
-                  <a:schemeClr val="tx1"/>
-                </a:solidFill>
-                <a:latin typeface="+mn-lt"/>
-                <a:ea typeface="+mn-ea"/>
-                <a:cs typeface="+mn-cs"/>
-              </a:defRPr>
-            </a:lvl7pPr>
-            <a:lvl8pPr marL="3200400" algn="l" defTabSz="914400" rtl="0" eaLnBrk="1" latinLnBrk="0" hangingPunct="1">
-              <a:defRPr sz="1800" kern="1200">
-                <a:solidFill>
-                  <a:schemeClr val="tx1"/>
-                </a:solidFill>
-                <a:latin typeface="+mn-lt"/>
-                <a:ea typeface="+mn-ea"/>
-                <a:cs typeface="+mn-cs"/>
-              </a:defRPr>
-            </a:lvl8pPr>
-            <a:lvl9pPr marL="3657600" algn="l" defTabSz="914400" rtl="0" eaLnBrk="1" latinLnBrk="0" hangingPunct="1">
-              <a:defRPr sz="1800" kern="1200">
-                <a:solidFill>
-                  <a:schemeClr val="tx1"/>
-                </a:solidFill>
-                <a:latin typeface="+mn-lt"/>
-                <a:ea typeface="+mn-ea"/>
-                <a:cs typeface="+mn-cs"/>
-              </a:defRPr>
-            </a:lvl9pPr>
-          </a:lstStyle>
-          <a:p>
-            <a:pPr marL="38100">
-              <a:spcBef>
-                <a:spcPts val="95"/>
-              </a:spcBef>
-            </a:pPr>
-            <a:fld id="{81D60167-4931-47E6-BA6A-407CBD079E47}" type="slidenum">
-              <a:rPr lang="ru-RU" spc="-5" smtClean="0">
-                <a:solidFill>
-                  <a:srgbClr val="0070C0"/>
-                </a:solidFill>
-              </a:rPr>
-              <a:pPr marL="38100">
-                <a:spcBef>
-                  <a:spcPts val="95"/>
-                </a:spcBef>
-              </a:pPr>
-              <a:t>19</a:t>
-            </a:fld>
-            <a:endParaRPr lang="ru-RU" spc="-5" dirty="0">
-              <a:solidFill>
-                <a:srgbClr val="0070C0"/>
-              </a:solidFill>
-            </a:endParaRPr>
-          </a:p>
-        </p:txBody>
-      </p:sp>
-      <p:cxnSp>
-        <p:nvCxnSpPr>
-          <p:cNvPr id="9" name="Прямая соединительная линия 8">
-            <a:extLst>
-              <a:ext uri="{FF2B5EF4-FFF2-40B4-BE49-F238E27FC236}">
-                <a16:creationId xmlns:a16="http://schemas.microsoft.com/office/drawing/2014/main" id="{15DFC3CF-B111-A4CE-3C17-E25DEAA7304D}"/>
-              </a:ext>
-            </a:extLst>
-          </p:cNvPr>
-          <p:cNvCxnSpPr>
-            <a:cxnSpLocks/>
-          </p:cNvCxnSpPr>
-          <p:nvPr/>
-        </p:nvCxnSpPr>
-        <p:spPr>
-          <a:xfrm>
-            <a:off x="196936" y="763600"/>
-            <a:ext cx="4216227" cy="0"/>
-          </a:xfrm>
-          <a:prstGeom prst="line">
-            <a:avLst/>
-          </a:prstGeom>
-          <a:ln>
-            <a:solidFill>
-              <a:srgbClr val="0070C0"/>
-            </a:solidFill>
-          </a:ln>
-        </p:spPr>
-        <p:style>
-          <a:lnRef idx="1">
-            <a:schemeClr val="accent1"/>
-          </a:lnRef>
-          <a:fillRef idx="0">
-            <a:schemeClr val="accent1"/>
-          </a:fillRef>
-          <a:effectRef idx="0">
-            <a:schemeClr val="accent1"/>
-          </a:effectRef>
-          <a:fontRef idx="minor">
-            <a:schemeClr val="tx1"/>
-          </a:fontRef>
-        </p:style>
-      </p:cxnSp>
-      <p:sp>
-        <p:nvSpPr>
-          <p:cNvPr id="12" name="TextBox 11">
-            <a:extLst>
-              <a:ext uri="{FF2B5EF4-FFF2-40B4-BE49-F238E27FC236}">
-                <a16:creationId xmlns:a16="http://schemas.microsoft.com/office/drawing/2014/main" id="{4D3AB3BE-3404-2D88-6C65-5CE19A2952A6}"/>
-              </a:ext>
-            </a:extLst>
-          </p:cNvPr>
-          <p:cNvSpPr txBox="1"/>
-          <p:nvPr/>
-        </p:nvSpPr>
-        <p:spPr>
-          <a:xfrm>
-            <a:off x="196936" y="763600"/>
-            <a:ext cx="4216227" cy="1318310"/>
-          </a:xfrm>
-          <a:prstGeom prst="rect">
-            <a:avLst/>
-          </a:prstGeom>
-          <a:noFill/>
-        </p:spPr>
-        <p:txBody>
-          <a:bodyPr wrap="square" rtlCol="0">
-            <a:spAutoFit/>
-          </a:bodyPr>
-          <a:lstStyle/>
-          <a:p>
-            <a:pPr indent="-228600" algn="just">
-              <a:spcAft>
-                <a:spcPts val="1000"/>
-              </a:spcAft>
-              <a:buFont typeface="+mj-lt"/>
-              <a:buAutoNum type="arabicPeriod"/>
-            </a:pPr>
-            <a:r>
-              <a:rPr lang="ru-RU" sz="900" dirty="0">
-                <a:solidFill>
-                  <a:schemeClr val="tx1"/>
-                </a:solidFill>
-                <a:latin typeface="Times" pitchFamily="2" charset="0"/>
-              </a:rPr>
-              <a:t>Развёртывание программной реализации на сервере с обеспечением фоновой обработки входящих обращений в режиме реального времени.</a:t>
-            </a:r>
-          </a:p>
-          <a:p>
-            <a:pPr indent="-228600" algn="just">
-              <a:spcAft>
-                <a:spcPts val="1000"/>
-              </a:spcAft>
-              <a:buFont typeface="+mj-lt"/>
-              <a:buAutoNum type="arabicPeriod"/>
-            </a:pPr>
-            <a:r>
-              <a:rPr lang="ru-RU" sz="900" dirty="0">
-                <a:solidFill>
-                  <a:schemeClr val="tx1"/>
-                </a:solidFill>
-                <a:latin typeface="Times" pitchFamily="2" charset="0"/>
-              </a:rPr>
-              <a:t>Расширение функциональности автоматического обработчика: анализ вложений, выделение дубликатов, приоритезация обращений, распределение по исполнителям.</a:t>
-            </a:r>
-          </a:p>
-          <a:p>
-            <a:pPr indent="-228600" algn="just">
-              <a:buFont typeface="+mj-lt"/>
-              <a:buAutoNum type="arabicPeriod"/>
-            </a:pPr>
-            <a:r>
-              <a:rPr lang="ru-RU" sz="900" dirty="0">
-                <a:solidFill>
-                  <a:schemeClr val="tx1"/>
-                </a:solidFill>
-                <a:latin typeface="Times" pitchFamily="2" charset="0"/>
-              </a:rPr>
-              <a:t>Адаптация и дообучение моделей на внутреннем наборе обращений конкретной компании для повышения релевантности.</a:t>
-            </a:r>
-          </a:p>
-        </p:txBody>
-      </p:sp>
-      <p:sp>
-        <p:nvSpPr>
-          <p:cNvPr id="3" name="object 2">
-            <a:extLst>
-              <a:ext uri="{FF2B5EF4-FFF2-40B4-BE49-F238E27FC236}">
-                <a16:creationId xmlns:a16="http://schemas.microsoft.com/office/drawing/2014/main" id="{CB7EF56F-45DB-FB41-7AC1-62E68F9E41B7}"/>
-              </a:ext>
-            </a:extLst>
-          </p:cNvPr>
-          <p:cNvSpPr txBox="1">
-            <a:spLocks/>
-          </p:cNvSpPr>
-          <p:nvPr/>
-        </p:nvSpPr>
-        <p:spPr>
-          <a:xfrm>
-            <a:off x="196935" y="477093"/>
-            <a:ext cx="4216227" cy="196208"/>
-          </a:xfrm>
-          <a:prstGeom prst="rect">
-            <a:avLst/>
-          </a:prstGeom>
-        </p:spPr>
-        <p:txBody>
-          <a:bodyPr vert="horz" wrap="square" lIns="0" tIns="11430" rIns="0" bIns="0" rtlCol="0">
-            <a:spAutoFit/>
-          </a:bodyPr>
-          <a:lstStyle>
-            <a:lvl1pPr>
-              <a:defRPr sz="1100" b="0" i="0">
-                <a:solidFill>
-                  <a:schemeClr val="tx1"/>
-                </a:solidFill>
-                <a:latin typeface="Tahoma"/>
-                <a:ea typeface="+mj-ea"/>
-                <a:cs typeface="Tahoma"/>
-              </a:defRPr>
-            </a:lvl1pPr>
-          </a:lstStyle>
-          <a:p>
-            <a:pPr marL="12700">
-              <a:spcBef>
-                <a:spcPts val="90"/>
-              </a:spcBef>
-            </a:pPr>
-            <a:r>
-              <a:rPr lang="ru-RU" sz="1200" spc="-40" dirty="0">
-                <a:latin typeface="Times New Roman" panose="02020603050405020304" pitchFamily="18" charset="0"/>
-                <a:cs typeface="Times New Roman" panose="02020603050405020304" pitchFamily="18" charset="0"/>
-              </a:rPr>
-              <a:t>Возможные направления дальнейшей работы</a:t>
-            </a:r>
-            <a:endParaRPr lang="ru-RU" sz="1200" kern="0" spc="-40" dirty="0">
-              <a:latin typeface="Times New Roman" panose="02020603050405020304" pitchFamily="18" charset="0"/>
-              <a:cs typeface="Times New Roman" panose="02020603050405020304" pitchFamily="18" charset="0"/>
-            </a:endParaRPr>
-          </a:p>
-        </p:txBody>
-      </p:sp>
-      <p:sp>
-        <p:nvSpPr>
-          <p:cNvPr id="2" name="Прямоугольник 1">
-            <a:extLst>
-              <a:ext uri="{FF2B5EF4-FFF2-40B4-BE49-F238E27FC236}">
-                <a16:creationId xmlns:a16="http://schemas.microsoft.com/office/drawing/2014/main" id="{8449FCDD-F87D-5326-2C41-11603D7FBF1A}"/>
-              </a:ext>
-            </a:extLst>
-          </p:cNvPr>
-          <p:cNvSpPr/>
-          <p:nvPr/>
-        </p:nvSpPr>
-        <p:spPr>
-          <a:xfrm>
-            <a:off x="-20944" y="3295813"/>
-            <a:ext cx="4642023" cy="184666"/>
-          </a:xfrm>
-          <a:prstGeom prst="rect">
-            <a:avLst/>
-          </a:prstGeom>
-          <a:solidFill>
-            <a:schemeClr val="accent1">
-              <a:alpha val="20000"/>
-            </a:schemeClr>
-          </a:solidFill>
-          <a:ln>
-            <a:noFill/>
-          </a:ln>
-        </p:spPr>
-        <p:style>
-          <a:lnRef idx="2">
-            <a:schemeClr val="accent1">
-              <a:shade val="15000"/>
-            </a:schemeClr>
-          </a:lnRef>
-          <a:fillRef idx="1">
-            <a:schemeClr val="accent1"/>
-          </a:fillRef>
-          <a:effectRef idx="0">
-            <a:schemeClr val="accent1"/>
-          </a:effectRef>
-          <a:fontRef idx="minor">
-            <a:schemeClr val="lt1"/>
-          </a:fontRef>
-        </p:style>
-        <p:txBody>
-          <a:bodyPr rtlCol="0" anchor="ctr"/>
-          <a:lstStyle/>
-          <a:p>
-            <a:pPr algn="r"/>
-            <a:r>
-              <a:rPr lang="ru-RU" sz="600" b="1" dirty="0">
-                <a:solidFill>
-                  <a:schemeClr val="bg1">
-                    <a:lumMod val="50000"/>
-                  </a:schemeClr>
-                </a:solidFill>
-                <a:latin typeface="Times New Roman" panose="02020603050405020304" pitchFamily="18" charset="0"/>
-                <a:cs typeface="Times New Roman" panose="02020603050405020304" pitchFamily="18" charset="0"/>
-              </a:rPr>
-              <a:t>Автоматизация обработки отчётов об ошибках в программном обеспечении с помощью больших языковых моделей</a:t>
-            </a:r>
-            <a:endParaRPr lang="ru-RU" sz="600" dirty="0">
-              <a:solidFill>
-                <a:schemeClr val="bg1">
-                  <a:lumMod val="50000"/>
-                </a:schemeClr>
-              </a:solidFill>
-            </a:endParaRPr>
-          </a:p>
-        </p:txBody>
-      </p:sp>
-      <p:sp>
-        <p:nvSpPr>
-          <p:cNvPr id="4" name="TextBox 3">
-            <a:extLst>
-              <a:ext uri="{FF2B5EF4-FFF2-40B4-BE49-F238E27FC236}">
-                <a16:creationId xmlns:a16="http://schemas.microsoft.com/office/drawing/2014/main" id="{C94D1405-E169-92C2-AC83-751147FD1B03}"/>
-              </a:ext>
-            </a:extLst>
-          </p:cNvPr>
-          <p:cNvSpPr txBox="1"/>
-          <p:nvPr/>
-        </p:nvSpPr>
-        <p:spPr>
-          <a:xfrm>
-            <a:off x="0" y="-2933"/>
-            <a:ext cx="4621079" cy="338554"/>
-          </a:xfrm>
-          <a:prstGeom prst="rect">
-            <a:avLst/>
-          </a:prstGeom>
-          <a:solidFill>
-            <a:schemeClr val="accent1">
-              <a:alpha val="20000"/>
-            </a:schemeClr>
-          </a:solidFill>
-        </p:spPr>
-        <p:txBody>
-          <a:bodyPr wrap="square" rtlCol="0">
-            <a:spAutoFit/>
-          </a:bodyPr>
-          <a:lstStyle/>
-          <a:p>
-            <a:pPr algn="just"/>
-            <a:r>
-              <a:rPr lang="ru-RU" sz="800" dirty="0">
-                <a:solidFill>
-                  <a:schemeClr val="bg1">
-                    <a:lumMod val="75000"/>
-                  </a:schemeClr>
-                </a:solidFill>
-                <a:latin typeface="Times New Roman" panose="02020603050405020304" pitchFamily="18" charset="0"/>
-                <a:cs typeface="Times New Roman" panose="02020603050405020304" pitchFamily="18" charset="0"/>
-              </a:rPr>
-              <a:t>Введение</a:t>
-            </a:r>
-            <a:r>
-              <a:rPr lang="ru-RU" sz="800" dirty="0">
-                <a:latin typeface="Times New Roman" panose="02020603050405020304" pitchFamily="18" charset="0"/>
-                <a:cs typeface="Times New Roman" panose="02020603050405020304" pitchFamily="18" charset="0"/>
-              </a:rPr>
-              <a:t> </a:t>
-            </a:r>
-            <a:r>
-              <a:rPr lang="en-US" sz="800" dirty="0">
-                <a:solidFill>
-                  <a:schemeClr val="bg1">
-                    <a:lumMod val="75000"/>
-                  </a:schemeClr>
-                </a:solidFill>
-                <a:latin typeface="Times New Roman" panose="02020603050405020304" pitchFamily="18" charset="0"/>
-                <a:cs typeface="Times New Roman" panose="02020603050405020304" pitchFamily="18" charset="0"/>
-              </a:rPr>
-              <a:t>| </a:t>
-            </a:r>
-            <a:r>
-              <a:rPr lang="ru-RU" sz="800" dirty="0">
-                <a:solidFill>
-                  <a:schemeClr val="bg1">
-                    <a:lumMod val="75000"/>
-                  </a:schemeClr>
-                </a:solidFill>
-                <a:latin typeface="Times New Roman" panose="02020603050405020304" pitchFamily="18" charset="0"/>
-                <a:cs typeface="Times New Roman" panose="02020603050405020304" pitchFamily="18" charset="0"/>
-              </a:rPr>
-              <a:t>Структура баг-репорта </a:t>
-            </a:r>
-            <a:r>
-              <a:rPr lang="en-US" sz="800" dirty="0">
-                <a:solidFill>
-                  <a:schemeClr val="bg1">
-                    <a:lumMod val="75000"/>
-                  </a:schemeClr>
-                </a:solidFill>
-                <a:latin typeface="Times New Roman" panose="02020603050405020304" pitchFamily="18" charset="0"/>
-                <a:cs typeface="Times New Roman" panose="02020603050405020304" pitchFamily="18" charset="0"/>
-              </a:rPr>
-              <a:t>|</a:t>
-            </a:r>
-            <a:r>
-              <a:rPr lang="ru-RU" sz="800" dirty="0">
-                <a:solidFill>
-                  <a:schemeClr val="bg1">
-                    <a:lumMod val="75000"/>
-                  </a:schemeClr>
-                </a:solidFill>
-                <a:latin typeface="Times New Roman" panose="02020603050405020304" pitchFamily="18" charset="0"/>
-                <a:cs typeface="Times New Roman" panose="02020603050405020304" pitchFamily="18" charset="0"/>
-              </a:rPr>
-              <a:t> Проблемы и актуальность</a:t>
-            </a:r>
-            <a:r>
-              <a:rPr lang="en-US" sz="800" dirty="0">
-                <a:solidFill>
-                  <a:schemeClr val="bg1">
-                    <a:lumMod val="75000"/>
-                  </a:schemeClr>
-                </a:solidFill>
-                <a:latin typeface="Times New Roman" panose="02020603050405020304" pitchFamily="18" charset="0"/>
-                <a:cs typeface="Times New Roman" panose="02020603050405020304" pitchFamily="18" charset="0"/>
-              </a:rPr>
-              <a:t> | </a:t>
-            </a:r>
-            <a:r>
-              <a:rPr lang="ru-RU" sz="800" dirty="0">
-                <a:solidFill>
-                  <a:schemeClr val="bg1">
-                    <a:lumMod val="75000"/>
-                  </a:schemeClr>
-                </a:solidFill>
-                <a:latin typeface="Times New Roman" panose="02020603050405020304" pitchFamily="18" charset="0"/>
-                <a:cs typeface="Times New Roman" panose="02020603050405020304" pitchFamily="18" charset="0"/>
-              </a:rPr>
-              <a:t>Сравнение языковых моделей </a:t>
-            </a:r>
-            <a:r>
-              <a:rPr lang="en-US" sz="800" dirty="0">
-                <a:solidFill>
-                  <a:schemeClr val="bg1">
-                    <a:lumMod val="75000"/>
-                  </a:schemeClr>
-                </a:solidFill>
-                <a:latin typeface="Times New Roman" panose="02020603050405020304" pitchFamily="18" charset="0"/>
-                <a:cs typeface="Times New Roman" panose="02020603050405020304" pitchFamily="18" charset="0"/>
-              </a:rPr>
-              <a:t>| </a:t>
-            </a:r>
-            <a:r>
-              <a:rPr lang="ru-RU" sz="800" dirty="0">
-                <a:solidFill>
-                  <a:schemeClr val="bg1">
-                    <a:lumMod val="75000"/>
-                  </a:schemeClr>
-                </a:solidFill>
-                <a:latin typeface="Times New Roman" panose="02020603050405020304" pitchFamily="18" charset="0"/>
-                <a:cs typeface="Times New Roman" panose="02020603050405020304" pitchFamily="18" charset="0"/>
-              </a:rPr>
-              <a:t>Программная реализация и тестирование</a:t>
-            </a:r>
-            <a:r>
-              <a:rPr lang="en-US" sz="800" dirty="0">
-                <a:solidFill>
-                  <a:schemeClr val="bg1">
-                    <a:lumMod val="75000"/>
-                  </a:schemeClr>
-                </a:solidFill>
-                <a:latin typeface="Times New Roman" panose="02020603050405020304" pitchFamily="18" charset="0"/>
-                <a:cs typeface="Times New Roman" panose="02020603050405020304" pitchFamily="18" charset="0"/>
-              </a:rPr>
-              <a:t> | </a:t>
-            </a:r>
-            <a:r>
-              <a:rPr lang="ru-RU" sz="800" dirty="0">
-                <a:solidFill>
-                  <a:schemeClr val="bg1">
-                    <a:lumMod val="75000"/>
-                  </a:schemeClr>
-                </a:solidFill>
-                <a:latin typeface="Times New Roman" panose="02020603050405020304" pitchFamily="18" charset="0"/>
-                <a:cs typeface="Times New Roman" panose="02020603050405020304" pitchFamily="18" charset="0"/>
-              </a:rPr>
-              <a:t>Анализ результатов</a:t>
-            </a:r>
-            <a:r>
-              <a:rPr lang="en-US" sz="800" dirty="0">
-                <a:solidFill>
-                  <a:schemeClr val="bg1">
-                    <a:lumMod val="75000"/>
-                  </a:schemeClr>
-                </a:solidFill>
-                <a:latin typeface="Times New Roman" panose="02020603050405020304" pitchFamily="18" charset="0"/>
-                <a:cs typeface="Times New Roman" panose="02020603050405020304" pitchFamily="18" charset="0"/>
-              </a:rPr>
-              <a:t> |</a:t>
-            </a:r>
-            <a:r>
-              <a:rPr lang="ru-RU" sz="800" dirty="0">
-                <a:solidFill>
-                  <a:schemeClr val="bg1">
-                    <a:lumMod val="75000"/>
-                  </a:schemeClr>
-                </a:solidFill>
-                <a:latin typeface="Times New Roman" panose="02020603050405020304" pitchFamily="18" charset="0"/>
-                <a:cs typeface="Times New Roman" panose="02020603050405020304" pitchFamily="18" charset="0"/>
-              </a:rPr>
-              <a:t> </a:t>
-            </a:r>
-            <a:r>
-              <a:rPr lang="ru-RU" sz="800" dirty="0">
-                <a:latin typeface="Times New Roman" panose="02020603050405020304" pitchFamily="18" charset="0"/>
-                <a:cs typeface="Times New Roman" panose="02020603050405020304" pitchFamily="18" charset="0"/>
-              </a:rPr>
-              <a:t>Заключение</a:t>
-            </a:r>
-          </a:p>
-        </p:txBody>
-      </p:sp>
-    </p:spTree>
-    <p:extLst>
-      <p:ext uri="{BB962C8B-B14F-4D97-AF65-F5344CB8AC3E}">
-        <p14:creationId xmlns:p14="http://schemas.microsoft.com/office/powerpoint/2010/main" val="1862343621"/>
-      </p:ext>
-    </p:extLst>
-  </p:cSld>
-  <p:clrMapOvr>
-    <a:masterClrMapping/>
-  </p:clrMapOvr>
-  <p:transition>
-    <p:cut/>
-  </p:transition>
-</p:sld>
-</file>
-
 <file path=ppt/slides/slide2.xml><?xml version="1.0" encoding="utf-8"?>
 <p:sld xmlns:a="http://schemas.openxmlformats.org/drawingml/2006/main" xmlns:r="http://schemas.openxmlformats.org/officeDocument/2006/relationships" xmlns:p="http://schemas.openxmlformats.org/presentationml/2006/main" showMasterSp="0">
   <p:cSld>
@@ -10361,78 +9082,6 @@
       </p:grpSpPr>
       <p:sp>
         <p:nvSpPr>
-          <p:cNvPr id="13" name="Прямоугольник 12">
-            <a:extLst>
-              <a:ext uri="{FF2B5EF4-FFF2-40B4-BE49-F238E27FC236}">
-                <a16:creationId xmlns:a16="http://schemas.microsoft.com/office/drawing/2014/main" id="{8C0F4D37-B6B0-182A-3FCC-9B4CE9528EE4}"/>
-              </a:ext>
-            </a:extLst>
-          </p:cNvPr>
-          <p:cNvSpPr/>
-          <p:nvPr/>
-        </p:nvSpPr>
-        <p:spPr>
-          <a:xfrm>
-            <a:off x="-20944" y="3295813"/>
-            <a:ext cx="4642023" cy="184666"/>
-          </a:xfrm>
-          <a:prstGeom prst="rect">
-            <a:avLst/>
-          </a:prstGeom>
-          <a:solidFill>
-            <a:schemeClr val="accent1">
-              <a:alpha val="20000"/>
-            </a:schemeClr>
-          </a:solidFill>
-          <a:ln>
-            <a:noFill/>
-          </a:ln>
-        </p:spPr>
-        <p:style>
-          <a:lnRef idx="2">
-            <a:schemeClr val="accent1">
-              <a:shade val="15000"/>
-            </a:schemeClr>
-          </a:lnRef>
-          <a:fillRef idx="1">
-            <a:schemeClr val="accent1"/>
-          </a:fillRef>
-          <a:effectRef idx="0">
-            <a:schemeClr val="accent1"/>
-          </a:effectRef>
-          <a:fontRef idx="minor">
-            <a:schemeClr val="lt1"/>
-          </a:fontRef>
-        </p:style>
-        <p:txBody>
-          <a:bodyPr rtlCol="0" anchor="ctr"/>
-          <a:lstStyle/>
-          <a:p>
-            <a:pPr algn="r"/>
-            <a:r>
-              <a:rPr lang="ru-RU" sz="600" b="1" dirty="0">
-                <a:solidFill>
-                  <a:schemeClr val="bg1">
-                    <a:lumMod val="50000"/>
-                  </a:schemeClr>
-                </a:solidFill>
-                <a:latin typeface="Times New Roman" panose="02020603050405020304" pitchFamily="18" charset="0"/>
-                <a:cs typeface="Times New Roman" panose="02020603050405020304" pitchFamily="18" charset="0"/>
-              </a:rPr>
-              <a:t>Автоматизация обработки отчётов об ошибках в программном обеспечении с помощью больших языковых моделей</a:t>
-            </a:r>
-            <a:endParaRPr lang="ru-RU" sz="600" dirty="0">
-              <a:solidFill>
-                <a:schemeClr val="bg1">
-                  <a:lumMod val="50000"/>
-                </a:schemeClr>
-              </a:solidFill>
-            </a:endParaRPr>
-          </a:p>
-        </p:txBody>
-      </p:sp>
-      <p:sp>
-        <p:nvSpPr>
           <p:cNvPr id="2" name="object 2"/>
           <p:cNvSpPr txBox="1">
             <a:spLocks noGrp="1"/>
@@ -10443,8 +9092,8 @@
         </p:nvSpPr>
         <p:spPr>
           <a:xfrm>
-            <a:off x="196936" y="477093"/>
-            <a:ext cx="1312545" cy="196208"/>
+            <a:off x="196936" y="413695"/>
+            <a:ext cx="2565314" cy="196208"/>
           </a:xfrm>
           <a:prstGeom prst="rect">
             <a:avLst/>
@@ -10465,61 +9114,23 @@
               </a:spcBef>
             </a:pPr>
             <a:r>
-              <a:rPr sz="1200" spc="-80" dirty="0">
-                <a:latin typeface="Times New Roman" panose="02020603050405020304" pitchFamily="18" charset="0"/>
-                <a:cs typeface="Times New Roman" panose="02020603050405020304" pitchFamily="18" charset="0"/>
-              </a:rPr>
-              <a:t>С</a:t>
-            </a:r>
-            <a:r>
-              <a:rPr sz="1200" spc="-25" dirty="0">
-                <a:latin typeface="Times New Roman" panose="02020603050405020304" pitchFamily="18" charset="0"/>
-                <a:cs typeface="Times New Roman" panose="02020603050405020304" pitchFamily="18" charset="0"/>
-              </a:rPr>
-              <a:t>оде</a:t>
-            </a:r>
-            <a:r>
-              <a:rPr sz="1200" spc="-35" dirty="0">
-                <a:latin typeface="Times New Roman" panose="02020603050405020304" pitchFamily="18" charset="0"/>
-                <a:cs typeface="Times New Roman" panose="02020603050405020304" pitchFamily="18" charset="0"/>
-              </a:rPr>
-              <a:t>р</a:t>
-            </a:r>
-            <a:r>
-              <a:rPr sz="1200" spc="-40" dirty="0">
-                <a:latin typeface="Times New Roman" panose="02020603050405020304" pitchFamily="18" charset="0"/>
-                <a:cs typeface="Times New Roman" panose="02020603050405020304" pitchFamily="18" charset="0"/>
-              </a:rPr>
-              <a:t>жание</a:t>
-            </a:r>
-            <a:r>
-              <a:rPr sz="1200" spc="-55" dirty="0">
-                <a:latin typeface="Times New Roman" panose="02020603050405020304" pitchFamily="18" charset="0"/>
-                <a:cs typeface="Times New Roman" panose="02020603050405020304" pitchFamily="18" charset="0"/>
-              </a:rPr>
-              <a:t> </a:t>
-            </a:r>
-            <a:r>
-              <a:rPr sz="1200" spc="-25" dirty="0">
-                <a:latin typeface="Times New Roman" panose="02020603050405020304" pitchFamily="18" charset="0"/>
-                <a:cs typeface="Times New Roman" panose="02020603050405020304" pitchFamily="18" charset="0"/>
-              </a:rPr>
-              <a:t>до</a:t>
-            </a:r>
-            <a:r>
-              <a:rPr sz="1200" spc="10" dirty="0">
-                <a:latin typeface="Times New Roman" panose="02020603050405020304" pitchFamily="18" charset="0"/>
-                <a:cs typeface="Times New Roman" panose="02020603050405020304" pitchFamily="18" charset="0"/>
-              </a:rPr>
-              <a:t>к</a:t>
-            </a:r>
-            <a:r>
-              <a:rPr sz="1200" spc="-40" dirty="0">
-                <a:latin typeface="Times New Roman" panose="02020603050405020304" pitchFamily="18" charset="0"/>
-                <a:cs typeface="Times New Roman" panose="02020603050405020304" pitchFamily="18" charset="0"/>
-              </a:rPr>
-              <a:t>лада</a:t>
-            </a:r>
+              <a:rPr lang="ru-RU" sz="1200" dirty="0">
+                <a:latin typeface="+mj-lt"/>
+                <a:cs typeface="Times New Roman" panose="02020603050405020304" pitchFamily="18" charset="0"/>
+              </a:rPr>
+              <a:t>Постановка задачи: </a:t>
+            </a:r>
+            <a:r>
+              <a:rPr lang="ru" sz="1200" dirty="0">
+                <a:latin typeface="+mj-lt"/>
+                <a:cs typeface="Times New Roman" panose="02020603050405020304" pitchFamily="18" charset="0"/>
+              </a:rPr>
+              <a:t>Цели и задачи</a:t>
+            </a:r>
+            <a:endParaRPr sz="1200" spc="-40" dirty="0">
+              <a:latin typeface="+mj-lt"/>
+              <a:cs typeface="Times New Roman" panose="02020603050405020304" pitchFamily="18" charset="0"/>
+            </a:endParaRPr>
           </a:p>
         </p:txBody>
       </p:sp>
@@ -10661,597 +9272,6 @@
                 </a:spcBef>
               </a:pPr>
               <a:t>2</a:t>
-            </a:fld>
-            <a:endParaRPr lang="ru-RU" spc="-5" dirty="0">
-              <a:solidFill>
-                <a:srgbClr val="0070C0"/>
-              </a:solidFill>
-            </a:endParaRPr>
-          </a:p>
-        </p:txBody>
-      </p:sp>
-      <p:sp>
-        <p:nvSpPr>
-          <p:cNvPr id="6" name="TextBox 5">
-            <a:extLst>
-              <a:ext uri="{FF2B5EF4-FFF2-40B4-BE49-F238E27FC236}">
-                <a16:creationId xmlns:a16="http://schemas.microsoft.com/office/drawing/2014/main" id="{A82E618F-93E9-3FFE-2139-C7EC37B333B9}"/>
-              </a:ext>
-            </a:extLst>
-          </p:cNvPr>
-          <p:cNvSpPr txBox="1"/>
-          <p:nvPr/>
-        </p:nvSpPr>
-        <p:spPr>
-          <a:xfrm>
-            <a:off x="0" y="-2933"/>
-            <a:ext cx="4621079" cy="338554"/>
-          </a:xfrm>
-          <a:prstGeom prst="rect">
-            <a:avLst/>
-          </a:prstGeom>
-          <a:solidFill>
-            <a:schemeClr val="accent1">
-              <a:alpha val="20000"/>
-            </a:schemeClr>
-          </a:solidFill>
-        </p:spPr>
-        <p:txBody>
-          <a:bodyPr wrap="square" rtlCol="0">
-            <a:spAutoFit/>
-          </a:bodyPr>
-          <a:lstStyle/>
-          <a:p>
-            <a:pPr algn="just"/>
-            <a:r>
-              <a:rPr lang="ru-RU" sz="800" dirty="0">
-                <a:latin typeface="Times New Roman" panose="02020603050405020304" pitchFamily="18" charset="0"/>
-                <a:cs typeface="Times New Roman" panose="02020603050405020304" pitchFamily="18" charset="0"/>
-              </a:rPr>
-              <a:t>Введение </a:t>
-            </a:r>
-            <a:r>
-              <a:rPr lang="en-US" sz="800" dirty="0">
-                <a:solidFill>
-                  <a:schemeClr val="bg1">
-                    <a:lumMod val="75000"/>
-                  </a:schemeClr>
-                </a:solidFill>
-                <a:latin typeface="Times New Roman" panose="02020603050405020304" pitchFamily="18" charset="0"/>
-                <a:cs typeface="Times New Roman" panose="02020603050405020304" pitchFamily="18" charset="0"/>
-              </a:rPr>
-              <a:t>| </a:t>
-            </a:r>
-            <a:r>
-              <a:rPr lang="ru-RU" sz="800" dirty="0">
-                <a:solidFill>
-                  <a:schemeClr val="bg1">
-                    <a:lumMod val="75000"/>
-                  </a:schemeClr>
-                </a:solidFill>
-                <a:latin typeface="Times New Roman" panose="02020603050405020304" pitchFamily="18" charset="0"/>
-                <a:cs typeface="Times New Roman" panose="02020603050405020304" pitchFamily="18" charset="0"/>
-              </a:rPr>
-              <a:t>Структура баг-репорта </a:t>
-            </a:r>
-            <a:r>
-              <a:rPr lang="en-US" sz="800" dirty="0">
-                <a:solidFill>
-                  <a:schemeClr val="bg1">
-                    <a:lumMod val="75000"/>
-                  </a:schemeClr>
-                </a:solidFill>
-                <a:latin typeface="Times New Roman" panose="02020603050405020304" pitchFamily="18" charset="0"/>
-                <a:cs typeface="Times New Roman" panose="02020603050405020304" pitchFamily="18" charset="0"/>
-              </a:rPr>
-              <a:t>|</a:t>
-            </a:r>
-            <a:r>
-              <a:rPr lang="ru-RU" sz="800" dirty="0">
-                <a:solidFill>
-                  <a:schemeClr val="bg1">
-                    <a:lumMod val="75000"/>
-                  </a:schemeClr>
-                </a:solidFill>
-                <a:latin typeface="Times New Roman" panose="02020603050405020304" pitchFamily="18" charset="0"/>
-                <a:cs typeface="Times New Roman" panose="02020603050405020304" pitchFamily="18" charset="0"/>
-              </a:rPr>
-              <a:t> Проблемы и актуальность</a:t>
-            </a:r>
-            <a:r>
-              <a:rPr lang="en-US" sz="800" dirty="0">
-                <a:solidFill>
-                  <a:schemeClr val="bg1">
-                    <a:lumMod val="75000"/>
-                  </a:schemeClr>
-                </a:solidFill>
-                <a:latin typeface="Times New Roman" panose="02020603050405020304" pitchFamily="18" charset="0"/>
-                <a:cs typeface="Times New Roman" panose="02020603050405020304" pitchFamily="18" charset="0"/>
-              </a:rPr>
-              <a:t> | </a:t>
-            </a:r>
-            <a:r>
-              <a:rPr lang="ru-RU" sz="800" dirty="0">
-                <a:solidFill>
-                  <a:schemeClr val="bg1">
-                    <a:lumMod val="75000"/>
-                  </a:schemeClr>
-                </a:solidFill>
-                <a:latin typeface="Times New Roman" panose="02020603050405020304" pitchFamily="18" charset="0"/>
-                <a:cs typeface="Times New Roman" panose="02020603050405020304" pitchFamily="18" charset="0"/>
-              </a:rPr>
-              <a:t>Сравнение языковых моделей </a:t>
-            </a:r>
-            <a:r>
-              <a:rPr lang="en-US" sz="800" dirty="0">
-                <a:solidFill>
-                  <a:schemeClr val="bg1">
-                    <a:lumMod val="75000"/>
-                  </a:schemeClr>
-                </a:solidFill>
-                <a:latin typeface="Times New Roman" panose="02020603050405020304" pitchFamily="18" charset="0"/>
-                <a:cs typeface="Times New Roman" panose="02020603050405020304" pitchFamily="18" charset="0"/>
-              </a:rPr>
-              <a:t>| </a:t>
-            </a:r>
-            <a:r>
-              <a:rPr lang="ru-RU" sz="800" dirty="0">
-                <a:solidFill>
-                  <a:schemeClr val="bg1">
-                    <a:lumMod val="75000"/>
-                  </a:schemeClr>
-                </a:solidFill>
-                <a:latin typeface="Times New Roman" panose="02020603050405020304" pitchFamily="18" charset="0"/>
-                <a:cs typeface="Times New Roman" panose="02020603050405020304" pitchFamily="18" charset="0"/>
-              </a:rPr>
-              <a:t>Программная реализация и тестирование</a:t>
-            </a:r>
-            <a:r>
-              <a:rPr lang="en-US" sz="800" dirty="0">
-                <a:solidFill>
-                  <a:schemeClr val="bg1">
-                    <a:lumMod val="75000"/>
-                  </a:schemeClr>
-                </a:solidFill>
-                <a:latin typeface="Times New Roman" panose="02020603050405020304" pitchFamily="18" charset="0"/>
-                <a:cs typeface="Times New Roman" panose="02020603050405020304" pitchFamily="18" charset="0"/>
-              </a:rPr>
-              <a:t> | </a:t>
-            </a:r>
-            <a:r>
-              <a:rPr lang="ru-RU" sz="800" dirty="0">
-                <a:solidFill>
-                  <a:schemeClr val="bg1">
-                    <a:lumMod val="75000"/>
-                  </a:schemeClr>
-                </a:solidFill>
-                <a:latin typeface="Times New Roman" panose="02020603050405020304" pitchFamily="18" charset="0"/>
-                <a:cs typeface="Times New Roman" panose="02020603050405020304" pitchFamily="18" charset="0"/>
-              </a:rPr>
-              <a:t>Анализ результатов</a:t>
-            </a:r>
-            <a:r>
-              <a:rPr lang="en-US" sz="800" dirty="0">
-                <a:solidFill>
-                  <a:schemeClr val="bg1">
-                    <a:lumMod val="75000"/>
-                  </a:schemeClr>
-                </a:solidFill>
-                <a:latin typeface="Times New Roman" panose="02020603050405020304" pitchFamily="18" charset="0"/>
-                <a:cs typeface="Times New Roman" panose="02020603050405020304" pitchFamily="18" charset="0"/>
-              </a:rPr>
-              <a:t> |</a:t>
-            </a:r>
-            <a:r>
-              <a:rPr lang="ru-RU" sz="800" dirty="0">
-                <a:solidFill>
-                  <a:schemeClr val="bg1">
-                    <a:lumMod val="75000"/>
-                  </a:schemeClr>
-                </a:solidFill>
-                <a:latin typeface="Times New Roman" panose="02020603050405020304" pitchFamily="18" charset="0"/>
-                <a:cs typeface="Times New Roman" panose="02020603050405020304" pitchFamily="18" charset="0"/>
-              </a:rPr>
-              <a:t> Заключение</a:t>
-            </a:r>
-          </a:p>
-        </p:txBody>
-      </p:sp>
-      <p:cxnSp>
-        <p:nvCxnSpPr>
-          <p:cNvPr id="9" name="Прямая соединительная линия 8">
-            <a:extLst>
-              <a:ext uri="{FF2B5EF4-FFF2-40B4-BE49-F238E27FC236}">
-                <a16:creationId xmlns:a16="http://schemas.microsoft.com/office/drawing/2014/main" id="{15DFC3CF-B111-A4CE-3C17-E25DEAA7304D}"/>
-              </a:ext>
-            </a:extLst>
-          </p:cNvPr>
-          <p:cNvCxnSpPr>
-            <a:cxnSpLocks/>
-          </p:cNvCxnSpPr>
-          <p:nvPr/>
-        </p:nvCxnSpPr>
-        <p:spPr>
-          <a:xfrm>
-            <a:off x="196936" y="763600"/>
-            <a:ext cx="4216227" cy="0"/>
-          </a:xfrm>
-          <a:prstGeom prst="line">
-            <a:avLst/>
-          </a:prstGeom>
-          <a:ln>
-            <a:solidFill>
-              <a:srgbClr val="0070C0"/>
-            </a:solidFill>
-          </a:ln>
-        </p:spPr>
-        <p:style>
-          <a:lnRef idx="1">
-            <a:schemeClr val="accent1"/>
-          </a:lnRef>
-          <a:fillRef idx="0">
-            <a:schemeClr val="accent1"/>
-          </a:fillRef>
-          <a:effectRef idx="0">
-            <a:schemeClr val="accent1"/>
-          </a:effectRef>
-          <a:fontRef idx="minor">
-            <a:schemeClr val="tx1"/>
-          </a:fontRef>
-        </p:style>
-      </p:cxnSp>
-      <p:sp>
-        <p:nvSpPr>
-          <p:cNvPr id="12" name="TextBox 11">
-            <a:extLst>
-              <a:ext uri="{FF2B5EF4-FFF2-40B4-BE49-F238E27FC236}">
-                <a16:creationId xmlns:a16="http://schemas.microsoft.com/office/drawing/2014/main" id="{4D3AB3BE-3404-2D88-6C65-5CE19A2952A6}"/>
-              </a:ext>
-            </a:extLst>
-          </p:cNvPr>
-          <p:cNvSpPr txBox="1"/>
-          <p:nvPr/>
-        </p:nvSpPr>
-        <p:spPr>
-          <a:xfrm>
-            <a:off x="196936" y="763600"/>
-            <a:ext cx="4216227" cy="1521699"/>
-          </a:xfrm>
-          <a:prstGeom prst="rect">
-            <a:avLst/>
-          </a:prstGeom>
-          <a:noFill/>
-        </p:spPr>
-        <p:txBody>
-          <a:bodyPr wrap="square" rtlCol="0">
-            <a:spAutoFit/>
-          </a:bodyPr>
-          <a:lstStyle/>
-          <a:p>
-            <a:pPr marL="342900" indent="-342900" algn="just">
-              <a:lnSpc>
-                <a:spcPct val="150000"/>
-              </a:lnSpc>
-              <a:buAutoNum type="arabicPeriod"/>
-            </a:pPr>
-            <a:r>
-              <a:rPr lang="ru-RU" sz="900" dirty="0">
-                <a:latin typeface="Times New Roman" panose="02020603050405020304" pitchFamily="18" charset="0"/>
-                <a:cs typeface="Times New Roman" panose="02020603050405020304" pitchFamily="18" charset="0"/>
-              </a:rPr>
-              <a:t>Введение</a:t>
-            </a:r>
-          </a:p>
-          <a:p>
-            <a:pPr marL="342900" indent="-342900" algn="just">
-              <a:lnSpc>
-                <a:spcPct val="150000"/>
-              </a:lnSpc>
-              <a:buAutoNum type="arabicPeriod"/>
-            </a:pPr>
-            <a:r>
-              <a:rPr lang="ru-RU" sz="900" dirty="0">
-                <a:latin typeface="Times New Roman" panose="02020603050405020304" pitchFamily="18" charset="0"/>
-                <a:cs typeface="Times New Roman" panose="02020603050405020304" pitchFamily="18" charset="0"/>
-              </a:rPr>
-              <a:t>Структура баг-репорта</a:t>
-            </a:r>
-          </a:p>
-          <a:p>
-            <a:pPr marL="342900" indent="-342900" algn="just">
-              <a:lnSpc>
-                <a:spcPct val="150000"/>
-              </a:lnSpc>
-              <a:buAutoNum type="arabicPeriod"/>
-            </a:pPr>
-            <a:r>
-              <a:rPr lang="ru-RU" sz="900" dirty="0">
-                <a:latin typeface="Times New Roman" panose="02020603050405020304" pitchFamily="18" charset="0"/>
-                <a:cs typeface="Times New Roman" panose="02020603050405020304" pitchFamily="18" charset="0"/>
-              </a:rPr>
-              <a:t>Проблемы и актуальность</a:t>
-            </a:r>
-          </a:p>
-          <a:p>
-            <a:pPr marL="342900" indent="-342900" algn="just">
-              <a:lnSpc>
-                <a:spcPct val="150000"/>
-              </a:lnSpc>
-              <a:buAutoNum type="arabicPeriod"/>
-            </a:pPr>
-            <a:r>
-              <a:rPr lang="ru-RU" sz="900" dirty="0">
-                <a:latin typeface="Times New Roman" panose="02020603050405020304" pitchFamily="18" charset="0"/>
-                <a:cs typeface="Times New Roman" panose="02020603050405020304" pitchFamily="18" charset="0"/>
-              </a:rPr>
-              <a:t>Сравнение языковых моделей</a:t>
-            </a:r>
-          </a:p>
-          <a:p>
-            <a:pPr marL="342900" indent="-342900" algn="just">
-              <a:lnSpc>
-                <a:spcPct val="150000"/>
-              </a:lnSpc>
-              <a:buAutoNum type="arabicPeriod"/>
-            </a:pPr>
-            <a:r>
-              <a:rPr lang="ru-RU" sz="900" dirty="0">
-                <a:latin typeface="Times New Roman" panose="02020603050405020304" pitchFamily="18" charset="0"/>
-                <a:cs typeface="Times New Roman" panose="02020603050405020304" pitchFamily="18" charset="0"/>
-              </a:rPr>
-              <a:t>Программная реализация и тестирование</a:t>
-            </a:r>
-          </a:p>
-          <a:p>
-            <a:pPr marL="342900" indent="-342900" algn="just">
-              <a:lnSpc>
-                <a:spcPct val="150000"/>
-              </a:lnSpc>
-              <a:buAutoNum type="arabicPeriod"/>
-            </a:pPr>
-            <a:r>
-              <a:rPr lang="ru-RU" sz="900" dirty="0">
-                <a:latin typeface="Times New Roman" panose="02020603050405020304" pitchFamily="18" charset="0"/>
-                <a:cs typeface="Times New Roman" panose="02020603050405020304" pitchFamily="18" charset="0"/>
-              </a:rPr>
-              <a:t>Анализ результатов</a:t>
-            </a:r>
-          </a:p>
-          <a:p>
-            <a:pPr marL="342900" indent="-342900" algn="just">
-              <a:lnSpc>
-                <a:spcPct val="150000"/>
-              </a:lnSpc>
-              <a:buAutoNum type="arabicPeriod"/>
-            </a:pPr>
-            <a:r>
-              <a:rPr lang="ru-RU" sz="900" dirty="0">
-                <a:latin typeface="Times New Roman" panose="02020603050405020304" pitchFamily="18" charset="0"/>
-                <a:cs typeface="Times New Roman" panose="02020603050405020304" pitchFamily="18" charset="0"/>
-              </a:rPr>
-              <a:t>Заключение</a:t>
-            </a:r>
-          </a:p>
-        </p:txBody>
-      </p:sp>
-    </p:spTree>
-    <p:extLst>
-      <p:ext uri="{BB962C8B-B14F-4D97-AF65-F5344CB8AC3E}">
-        <p14:creationId xmlns:p14="http://schemas.microsoft.com/office/powerpoint/2010/main" val="3242378370"/>
-      </p:ext>
-    </p:extLst>
-  </p:cSld>
-  <p:clrMapOvr>
-    <a:masterClrMapping/>
-  </p:clrMapOvr>
-  <p:transition>
-    <p:cut/>
-  </p:transition>
-</p:sld>
-</file>
-
-<file path=ppt/slides/slide3.xml><?xml version="1.0" encoding="utf-8"?>
-<p:sld xmlns:a="http://schemas.openxmlformats.org/drawingml/2006/main" xmlns:r="http://schemas.openxmlformats.org/officeDocument/2006/relationships" xmlns:p="http://schemas.openxmlformats.org/presentationml/2006/main" showMasterSp="0">
-  <p:cSld>
-    <p:spTree>
-      <p:nvGrpSpPr>
-        <p:cNvPr id="1" name=""/>
-        <p:cNvGrpSpPr/>
-        <p:nvPr/>
-      </p:nvGrpSpPr>
-      <p:grpSpPr>
-        <a:xfrm>
-          <a:off x="0" y="0"/>
-          <a:ext cx="0" cy="0"/>
-          <a:chOff x="0" y="0"/>
-          <a:chExt cx="0" cy="0"/>
-        </a:xfrm>
-      </p:grpSpPr>
-      <p:sp>
-        <p:nvSpPr>
-          <p:cNvPr id="2" name="object 2"/>
-          <p:cNvSpPr txBox="1">
-            <a:spLocks noGrp="1"/>
-          </p:cNvSpPr>
-          <p:nvPr>
-            <p:ph type="title"/>
-          </p:nvPr>
-        </p:nvSpPr>
-        <p:spPr>
-          <a:xfrm>
-            <a:off x="196936" y="477093"/>
-            <a:ext cx="2565314" cy="196208"/>
-          </a:xfrm>
-          <a:prstGeom prst="rect">
-            <a:avLst/>
-          </a:prstGeom>
-        </p:spPr>
-        <p:txBody>
-          <a:bodyPr vert="horz" wrap="square" lIns="0" tIns="11430" rIns="0" bIns="0" rtlCol="0">
-            <a:spAutoFit/>
-          </a:bodyPr>
-          <a:lstStyle/>
-          <a:p>
-            <a:pPr marL="12700">
-              <a:lnSpc>
-                <a:spcPct val="100000"/>
-              </a:lnSpc>
-              <a:spcBef>
-                <a:spcPts val="90"/>
-              </a:spcBef>
-            </a:pPr>
-            <a:r>
-              <a:rPr lang="ru" sz="1200" dirty="0">
-                <a:latin typeface="Times New Roman" panose="02020603050405020304" pitchFamily="18" charset="0"/>
-                <a:cs typeface="Times New Roman" panose="02020603050405020304" pitchFamily="18" charset="0"/>
-              </a:rPr>
-              <a:t>Цель и выполненные задачи</a:t>
-            </a:r>
-            <a:endParaRPr sz="1200" spc="-40" dirty="0">
-              <a:latin typeface="Times New Roman" panose="02020603050405020304" pitchFamily="18" charset="0"/>
-              <a:cs typeface="Times New Roman" panose="02020603050405020304" pitchFamily="18" charset="0"/>
-            </a:endParaRPr>
-          </a:p>
-        </p:txBody>
-      </p:sp>
-      <p:sp>
-        <p:nvSpPr>
-          <p:cNvPr id="121" name="Номер слайда 8">
-            <a:extLst>
-              <a:ext uri="{FF2B5EF4-FFF2-40B4-BE49-F238E27FC236}">
-                <a16:creationId xmlns:a16="http://schemas.microsoft.com/office/drawing/2014/main" id="{53F84418-E4D6-E2A5-3E0F-A9A56B4FC5BE}"/>
-              </a:ext>
-            </a:extLst>
-          </p:cNvPr>
-          <p:cNvSpPr txBox="1">
-            <a:spLocks/>
-          </p:cNvSpPr>
-          <p:nvPr/>
-        </p:nvSpPr>
-        <p:spPr>
-          <a:xfrm>
-            <a:off x="-20944" y="3319545"/>
-            <a:ext cx="527293" cy="137203"/>
-          </a:xfrm>
-          <a:prstGeom prst="rect">
-            <a:avLst/>
-          </a:prstGeom>
-        </p:spPr>
-        <p:txBody>
-          <a:bodyPr lIns="0" tIns="0" rIns="0" bIns="0"/>
-          <a:lstStyle>
-            <a:defPPr>
-              <a:defRPr lang="ru-RU"/>
-            </a:defPPr>
-            <a:lvl1pPr marL="0" algn="l" defTabSz="914400" rtl="0" eaLnBrk="1" latinLnBrk="0" hangingPunct="1">
-              <a:defRPr sz="800" b="0" i="0" kern="1200">
-                <a:solidFill>
-                  <a:srgbClr val="00B050"/>
-                </a:solidFill>
-                <a:latin typeface="Times New Roman" panose="02020603050405020304" pitchFamily="18" charset="0"/>
-                <a:ea typeface="+mn-ea"/>
-                <a:cs typeface="Times New Roman" panose="02020603050405020304" pitchFamily="18" charset="0"/>
-              </a:defRPr>
-            </a:lvl1pPr>
-            <a:lvl2pPr marL="457200" algn="l" defTabSz="914400" rtl="0" eaLnBrk="1" latinLnBrk="0" hangingPunct="1">
-              <a:defRPr sz="1800" kern="1200">
-                <a:solidFill>
-                  <a:schemeClr val="tx1"/>
-                </a:solidFill>
-                <a:latin typeface="+mn-lt"/>
-                <a:ea typeface="+mn-ea"/>
-                <a:cs typeface="+mn-cs"/>
-              </a:defRPr>
-            </a:lvl2pPr>
-            <a:lvl3pPr marL="914400" algn="l" defTabSz="914400" rtl="0" eaLnBrk="1" latinLnBrk="0" hangingPunct="1">
-              <a:defRPr sz="1800" kern="1200">
-                <a:solidFill>
-                  <a:schemeClr val="tx1"/>
-                </a:solidFill>
-                <a:latin typeface="+mn-lt"/>
-                <a:ea typeface="+mn-ea"/>
-                <a:cs typeface="+mn-cs"/>
-              </a:defRPr>
-            </a:lvl3pPr>
-            <a:lvl4pPr marL="1371600" algn="l" defTabSz="914400" rtl="0" eaLnBrk="1" latinLnBrk="0" hangingPunct="1">
-              <a:defRPr sz="1800" kern="1200">
-                <a:solidFill>
-                  <a:schemeClr val="tx1"/>
-                </a:solidFill>
-                <a:latin typeface="+mn-lt"/>
-                <a:ea typeface="+mn-ea"/>
-                <a:cs typeface="+mn-cs"/>
-              </a:defRPr>
-            </a:lvl4pPr>
-            <a:lvl5pPr marL="1828800" algn="l" defTabSz="914400" rtl="0" eaLnBrk="1" latinLnBrk="0" hangingPunct="1">
-              <a:defRPr sz="1800" kern="1200">
-                <a:solidFill>
-                  <a:schemeClr val="tx1"/>
-                </a:solidFill>
-                <a:latin typeface="+mn-lt"/>
-                <a:ea typeface="+mn-ea"/>
-                <a:cs typeface="+mn-cs"/>
-              </a:defRPr>
-            </a:lvl5pPr>
-            <a:lvl6pPr marL="2286000" algn="l" defTabSz="914400" rtl="0" eaLnBrk="1" latinLnBrk="0" hangingPunct="1">
-              <a:defRPr sz="1800" kern="1200">
-                <a:solidFill>
-                  <a:schemeClr val="tx1"/>
-                </a:solidFill>
-                <a:latin typeface="+mn-lt"/>
-                <a:ea typeface="+mn-ea"/>
-                <a:cs typeface="+mn-cs"/>
-              </a:defRPr>
-            </a:lvl6pPr>
-            <a:lvl7pPr marL="2743200" algn="l" defTabSz="914400" rtl="0" eaLnBrk="1" latinLnBrk="0" hangingPunct="1">
-              <a:defRPr sz="1800" kern="1200">
-                <a:solidFill>
-                  <a:schemeClr val="tx1"/>
-                </a:solidFill>
-                <a:latin typeface="+mn-lt"/>
-                <a:ea typeface="+mn-ea"/>
-                <a:cs typeface="+mn-cs"/>
-              </a:defRPr>
-            </a:lvl7pPr>
-            <a:lvl8pPr marL="3200400" algn="l" defTabSz="914400" rtl="0" eaLnBrk="1" latinLnBrk="0" hangingPunct="1">
-              <a:defRPr sz="1800" kern="1200">
-                <a:solidFill>
-                  <a:schemeClr val="tx1"/>
-                </a:solidFill>
-                <a:latin typeface="+mn-lt"/>
-                <a:ea typeface="+mn-ea"/>
-                <a:cs typeface="+mn-cs"/>
-              </a:defRPr>
-            </a:lvl8pPr>
-            <a:lvl9pPr marL="3657600" algn="l" defTabSz="914400" rtl="0" eaLnBrk="1" latinLnBrk="0" hangingPunct="1">
-              <a:defRPr sz="1800" kern="1200">
-                <a:solidFill>
-                  <a:schemeClr val="tx1"/>
-                </a:solidFill>
-                <a:latin typeface="+mn-lt"/>
-                <a:ea typeface="+mn-ea"/>
-                <a:cs typeface="+mn-cs"/>
-              </a:defRPr>
-            </a:lvl9pPr>
-          </a:lstStyle>
-          <a:p>
-            <a:pPr marL="38100">
-              <a:spcBef>
-                <a:spcPts val="95"/>
-              </a:spcBef>
-            </a:pPr>
-            <a:fld id="{81D60167-4931-47E6-BA6A-407CBD079E47}" type="slidenum">
-              <a:rPr lang="ru-RU" spc="-5" smtClean="0">
-                <a:solidFill>
-                  <a:srgbClr val="0070C0"/>
-                </a:solidFill>
-              </a:rPr>
-              <a:pPr marL="38100">
-                <a:spcBef>
-                  <a:spcPts val="95"/>
-                </a:spcBef>
-              </a:pPr>
-              <a:t>3</a:t>
             </a:fld>
             <a:endParaRPr lang="ru-RU" spc="-5" dirty="0">
               <a:solidFill>
@@ -11343,14 +9363,12 @@
             </a:pPr>
             <a:r>
               <a:rPr lang="ru-RU" sz="900" b="1" dirty="0">
-                <a:latin typeface="Times New Roman" panose="02020603050405020304" pitchFamily="18" charset="0"/>
-                <a:cs typeface="Times New Roman" panose="02020603050405020304" pitchFamily="18" charset="0"/>
-              </a:rPr>
-              <a:t>Основной целью </a:t>
+                <a:cs typeface="Times New Roman" panose="02020603050405020304" pitchFamily="18" charset="0"/>
+              </a:rPr>
+              <a:t>Целью </a:t>
             </a:r>
             <a:r>
               <a:rPr lang="ru-RU" sz="900" dirty="0">
-                <a:latin typeface="Times New Roman" panose="02020603050405020304" pitchFamily="18" charset="0"/>
                 <a:cs typeface="Times New Roman" panose="02020603050405020304" pitchFamily="18" charset="0"/>
               </a:rPr>
               <a:t>работы является разработка программного решения для автоматизации обработки отчётов об ошибках (баг-репортов) в программном обеспечении (ПО) с использованием современных крупных языковых моделей и анализа их эффективности для оптимизации процессов технической поддержки.</a:t>
@@ -11371,7 +9389,6 @@
                 <a:solidFill>
                   <a:schemeClr val="tx1"/>
                 </a:solidFill>
-                <a:latin typeface="Times New Roman" panose="02020603050405020304" pitchFamily="18" charset="0"/>
                 <a:cs typeface="Times New Roman" panose="02020603050405020304" pitchFamily="18" charset="0"/>
               </a:rPr>
               <a:t>Выполненные задачи:</a:t>
@@ -11390,10 +9407,9 @@
             </a:pPr>
             <a:r>
               <a:rPr lang="ru-RU" sz="900" dirty="0">
-                <a:latin typeface="Times New Roman" panose="02020603050405020304" pitchFamily="18" charset="0"/>
-                <a:cs typeface="Times New Roman" panose="02020603050405020304" pitchFamily="18" charset="0"/>
-              </a:rPr>
-              <a:t>Исследовать и описать структуру баг-репортов, выделить основные компоненты, необходимые для эффективного анализа обращений.</a:t>
+                <a:cs typeface="Times New Roman" panose="02020603050405020304" pitchFamily="18" charset="0"/>
+              </a:rPr>
+              <a:t>Исследовать и описать структуру баг-репортов, выделить основные компоненты, необходимые для эффективного анализа обращений;</a:t>
             </a:r>
           </a:p>
           <a:p>
@@ -11409,45 +9425,21 @@
             </a:pPr>
             <a:r>
               <a:rPr lang="ru-RU" sz="900" dirty="0">
-                <a:latin typeface="Times New Roman" panose="02020603050405020304" pitchFamily="18" charset="0"/>
                 <a:cs typeface="Times New Roman" panose="02020603050405020304" pitchFamily="18" charset="0"/>
               </a:rPr>
               <a:t>Выполнить сравнительный анализ современных крупных языковых моделей (GPT-4, </a:t>
             </a:r>
             <a:r>
               <a:rPr lang="en-US" sz="900" dirty="0">
-                <a:latin typeface="Times New Roman" panose="02020603050405020304" pitchFamily="18" charset="0"/>
                 <a:cs typeface="Times New Roman" panose="02020603050405020304" pitchFamily="18" charset="0"/>
               </a:rPr>
               <a:t>Claude, </a:t>
             </a:r>
             <a:r>
-              <a:rPr lang="ru-RU" sz="900" dirty="0" err="1">
-                <a:latin typeface="Times New Roman" panose="02020603050405020304" pitchFamily="18" charset="0"/>
-                <a:cs typeface="Times New Roman" panose="02020603050405020304" pitchFamily="18" charset="0"/>
-              </a:rPr>
-              <a:t>DeepSeek</a:t>
-            </a:r>
-            <a:r>
               <a:rPr lang="ru-RU" sz="900" dirty="0">
-                <a:latin typeface="Times New Roman" panose="02020603050405020304" pitchFamily="18" charset="0"/>
-                <a:cs typeface="Times New Roman" panose="02020603050405020304" pitchFamily="18" charset="0"/>
-              </a:rPr>
-              <a:t>, </a:t>
-            </a:r>
-            <a:r>
-              <a:rPr lang="ru-RU" sz="900" dirty="0" err="1">
-                <a:latin typeface="Times New Roman" panose="02020603050405020304" pitchFamily="18" charset="0"/>
-                <a:cs typeface="Times New Roman" panose="02020603050405020304" pitchFamily="18" charset="0"/>
-              </a:rPr>
-              <a:t>Grok</a:t>
-            </a:r>
-            <a:r>
-              <a:rPr lang="ru-RU" sz="900" dirty="0">
-                <a:latin typeface="Times New Roman" panose="02020603050405020304" pitchFamily="18" charset="0"/>
-                <a:cs typeface="Times New Roman" panose="02020603050405020304" pitchFamily="18" charset="0"/>
-              </a:rPr>
-              <a:t>) с целью выбора наиболее подходящей.</a:t>
+                <a:cs typeface="Times New Roman" panose="02020603050405020304" pitchFamily="18" charset="0"/>
+              </a:rPr>
+              <a:t>DeepSeek, Grok) с целью выбора наиболее подходящей;</a:t>
             </a:r>
           </a:p>
           <a:p>
@@ -11463,24 +9455,21 @@
             </a:pPr>
             <a:r>
               <a:rPr lang="ru-RU" sz="900" dirty="0">
-                <a:latin typeface="Times New Roman" panose="02020603050405020304" pitchFamily="18" charset="0"/>
                 <a:cs typeface="Times New Roman" panose="02020603050405020304" pitchFamily="18" charset="0"/>
               </a:rPr>
               <a:t>Разработать архитектуру и программную реализацию автоматизирующей программы-прослойки (АПП), интегрированной с системой </a:t>
             </a:r>
             <a:r>
               <a:rPr lang="ru-RU" sz="900" dirty="0" err="1">
-                <a:latin typeface="Times New Roman" panose="02020603050405020304" pitchFamily="18" charset="0"/>
                 <a:cs typeface="Times New Roman" panose="02020603050405020304" pitchFamily="18" charset="0"/>
               </a:rPr>
               <a:t>Intradesc</a:t>
             </a:r>
             <a:r>
               <a:rPr lang="ru-RU" sz="900" dirty="0">
-                <a:latin typeface="Times New Roman" panose="02020603050405020304" pitchFamily="18" charset="0"/>
-                <a:cs typeface="Times New Roman" panose="02020603050405020304" pitchFamily="18" charset="0"/>
-              </a:rPr>
-              <a:t>.</a:t>
+                <a:cs typeface="Times New Roman" panose="02020603050405020304" pitchFamily="18" charset="0"/>
+              </a:rPr>
+              <a:t>;</a:t>
             </a:r>
           </a:p>
           <a:p>
@@ -11496,10 +9485,9 @@
             </a:pPr>
             <a:r>
               <a:rPr lang="ru-RU" sz="900" dirty="0">
-                <a:latin typeface="Times New Roman" panose="02020603050405020304" pitchFamily="18" charset="0"/>
-                <a:cs typeface="Times New Roman" panose="02020603050405020304" pitchFamily="18" charset="0"/>
-              </a:rPr>
-              <a:t>Провести тестирование и отладку программного решения на реальных обращениях.</a:t>
+                <a:cs typeface="Times New Roman" panose="02020603050405020304" pitchFamily="18" charset="0"/>
+              </a:rPr>
+              <a:t>Провести тестирование и отладку программного решения на реальных обращениях;</a:t>
             </a:r>
           </a:p>
           <a:p>
@@ -11515,7 +9503,6 @@
             </a:pPr>
             <a:r>
               <a:rPr lang="ru-RU" sz="900" dirty="0">
-                <a:latin typeface="Times New Roman" panose="02020603050405020304" pitchFamily="18" charset="0"/>
                 <a:cs typeface="Times New Roman" panose="02020603050405020304" pitchFamily="18" charset="0"/>
               </a:rPr>
               <a:t>Проанализировать результаты тестирования, оценить стоимость и практическую применимость разработанного решения.</a:t>
@@ -11798,7 +9785,7 @@
 </p:sld>
 </file>
 
-<file path=ppt/slides/slide4.xml><?xml version="1.0" encoding="utf-8"?>
+<file path=ppt/slides/slide3.xml><?xml version="1.0" encoding="utf-8"?>
 <p:sld xmlns:a="http://schemas.openxmlformats.org/drawingml/2006/main" xmlns:r="http://schemas.openxmlformats.org/officeDocument/2006/relationships" xmlns:p="http://schemas.openxmlformats.org/presentationml/2006/main" showMasterSp="0">
   <p:cSld>
     <p:spTree>
@@ -11862,13 +9849,13 @@
             </a:pPr>
             <a:r>
               <a:rPr lang="ru" sz="1200" spc="-40" dirty="0">
-                <a:latin typeface="Times New Roman" panose="02020603050405020304" pitchFamily="18" charset="0"/>
+                <a:latin typeface="+mj-lt"/>
                 <a:cs typeface="Times New Roman" panose="02020603050405020304" pitchFamily="18" charset="0"/>
               </a:rPr>
               <a:t>Основные требования к структуре баг-репорта</a:t>
             </a:r>
             <a:endParaRPr sz="1200" spc="-40" dirty="0">
-              <a:latin typeface="Times New Roman" panose="02020603050405020304" pitchFamily="18" charset="0"/>
+              <a:latin typeface="+mj-lt"/>
               <a:cs typeface="Times New Roman" panose="02020603050405020304" pitchFamily="18" charset="0"/>
             </a:endParaRPr>
           </a:p>
@@ -12011,7 +9998,7 @@
                   <a:spcPts val="95"/>
                 </a:spcBef>
               </a:pPr>
-              <a:t>4</a:t>
+              <a:t>3</a:t>
             </a:fld>
             <a:endParaRPr lang="ru-RU" spc="-5" dirty="0">
               <a:solidFill>
@@ -12078,7 +10065,7 @@
         </p:nvSpPr>
         <p:spPr>
           <a:xfrm>
-            <a:off x="196936" y="968375"/>
+            <a:off x="190755" y="821503"/>
             <a:ext cx="2565314" cy="2277547"/>
           </a:xfrm>
           <a:prstGeom prst="rect">
@@ -12103,26 +10090,22 @@
             </a:pPr>
             <a:r>
               <a:rPr lang="ru-RU" sz="900" b="1" dirty="0">
-                <a:latin typeface="Times New Roman" panose="02020603050405020304" pitchFamily="18" charset="0"/>
                 <a:cs typeface="Times New Roman" panose="02020603050405020304" pitchFamily="18" charset="0"/>
               </a:rPr>
               <a:t>Баг-репорт </a:t>
             </a:r>
             <a:r>
               <a:rPr lang="ru-RU" sz="900" dirty="0">
-                <a:latin typeface="Times New Roman" panose="02020603050405020304" pitchFamily="18" charset="0"/>
                 <a:cs typeface="Times New Roman" panose="02020603050405020304" pitchFamily="18" charset="0"/>
               </a:rPr>
               <a:t>представляет собой структурированную форму данных, используемую для фиксации и документирования информации об обнаруженных дефектах или ошибках в ПО.</a:t>
             </a:r>
             <a:br>
               <a:rPr lang="ru-RU" sz="900" dirty="0">
-                <a:latin typeface="Times New Roman" panose="02020603050405020304" pitchFamily="18" charset="0"/>
                 <a:cs typeface="Times New Roman" panose="02020603050405020304" pitchFamily="18" charset="0"/>
               </a:rPr>
             </a:br>
             <a:endParaRPr lang="en-US" sz="900" dirty="0">
-              <a:latin typeface="Times New Roman" panose="02020603050405020304" pitchFamily="18" charset="0"/>
               <a:cs typeface="Times New Roman" panose="02020603050405020304" pitchFamily="18" charset="0"/>
             </a:endParaRPr>
           </a:p>
@@ -12138,14 +10121,12 @@
             </a:pPr>
             <a:r>
               <a:rPr lang="ru-RU" sz="900" b="1" dirty="0">
-                <a:latin typeface="Times New Roman" panose="02020603050405020304" pitchFamily="18" charset="0"/>
                 <a:cs typeface="Times New Roman" panose="02020603050405020304" pitchFamily="18" charset="0"/>
               </a:rPr>
               <a:t>Полная структура </a:t>
             </a:r>
             <a:r>
               <a:rPr lang="ru-RU" sz="900" dirty="0">
-                <a:latin typeface="Times New Roman" panose="02020603050405020304" pitchFamily="18" charset="0"/>
                 <a:cs typeface="Times New Roman" panose="02020603050405020304" pitchFamily="18" charset="0"/>
               </a:rPr>
               <a:t>баг-репорта необходима для эффективного устранения ошибок:</a:t>
@@ -12164,20 +10145,17 @@
             </a:pPr>
             <a:r>
               <a:rPr lang="ru-RU" sz="900" dirty="0">
-                <a:latin typeface="Times New Roman" panose="02020603050405020304" pitchFamily="18" charset="0"/>
                 <a:cs typeface="Times New Roman" panose="02020603050405020304" pitchFamily="18" charset="0"/>
               </a:rPr>
               <a:t>позволяет точно воспроизвести проблему</a:t>
             </a:r>
             <a:r>
               <a:rPr lang="en-US" sz="900" dirty="0">
-                <a:latin typeface="Times New Roman" panose="02020603050405020304" pitchFamily="18" charset="0"/>
                 <a:cs typeface="Times New Roman" panose="02020603050405020304" pitchFamily="18" charset="0"/>
               </a:rPr>
               <a:t>;</a:t>
             </a:r>
             <a:endParaRPr lang="ru-RU" sz="900" dirty="0">
-              <a:latin typeface="Times New Roman" panose="02020603050405020304" pitchFamily="18" charset="0"/>
               <a:cs typeface="Times New Roman" panose="02020603050405020304" pitchFamily="18" charset="0"/>
             </a:endParaRPr>
           </a:p>
@@ -12194,20 +10172,17 @@
             </a:pPr>
             <a:r>
               <a:rPr lang="ru-RU" sz="900" dirty="0">
-                <a:latin typeface="Times New Roman" panose="02020603050405020304" pitchFamily="18" charset="0"/>
                 <a:cs typeface="Times New Roman" panose="02020603050405020304" pitchFamily="18" charset="0"/>
               </a:rPr>
               <a:t>обеспечивает полноту данных для анализа</a:t>
             </a:r>
             <a:r>
               <a:rPr lang="en-US" sz="900" dirty="0">
-                <a:latin typeface="Times New Roman" panose="02020603050405020304" pitchFamily="18" charset="0"/>
                 <a:cs typeface="Times New Roman" panose="02020603050405020304" pitchFamily="18" charset="0"/>
               </a:rPr>
               <a:t>;</a:t>
             </a:r>
             <a:endParaRPr lang="ru-RU" sz="900" dirty="0">
-              <a:latin typeface="Times New Roman" panose="02020603050405020304" pitchFamily="18" charset="0"/>
               <a:cs typeface="Times New Roman" panose="02020603050405020304" pitchFamily="18" charset="0"/>
             </a:endParaRPr>
           </a:p>
@@ -12224,20 +10199,17 @@
             </a:pPr>
             <a:r>
               <a:rPr lang="ru-RU" sz="900" dirty="0">
-                <a:latin typeface="Times New Roman" panose="02020603050405020304" pitchFamily="18" charset="0"/>
                 <a:cs typeface="Times New Roman" panose="02020603050405020304" pitchFamily="18" charset="0"/>
               </a:rPr>
               <a:t>минимизирует коммуникационные потери</a:t>
             </a:r>
             <a:r>
               <a:rPr lang="en-US" sz="900" dirty="0">
-                <a:latin typeface="Times New Roman" panose="02020603050405020304" pitchFamily="18" charset="0"/>
                 <a:cs typeface="Times New Roman" panose="02020603050405020304" pitchFamily="18" charset="0"/>
               </a:rPr>
               <a:t>;</a:t>
             </a:r>
             <a:endParaRPr lang="ru-RU" sz="900" dirty="0">
-              <a:latin typeface="Times New Roman" panose="02020603050405020304" pitchFamily="18" charset="0"/>
               <a:cs typeface="Times New Roman" panose="02020603050405020304" pitchFamily="18" charset="0"/>
             </a:endParaRPr>
           </a:p>
@@ -12254,20 +10226,17 @@
             </a:pPr>
             <a:r>
               <a:rPr lang="ru-RU" sz="900" dirty="0">
-                <a:latin typeface="Times New Roman" panose="02020603050405020304" pitchFamily="18" charset="0"/>
                 <a:cs typeface="Times New Roman" panose="02020603050405020304" pitchFamily="18" charset="0"/>
               </a:rPr>
               <a:t>ускоряет исправление недочетов и тестирование ПО</a:t>
             </a:r>
             <a:r>
               <a:rPr lang="en-US" sz="900" dirty="0">
-                <a:latin typeface="Times New Roman" panose="02020603050405020304" pitchFamily="18" charset="0"/>
                 <a:cs typeface="Times New Roman" panose="02020603050405020304" pitchFamily="18" charset="0"/>
               </a:rPr>
               <a:t>.</a:t>
             </a:r>
             <a:endParaRPr lang="ru-RU" sz="900" dirty="0">
-              <a:latin typeface="Times New Roman" panose="02020603050405020304" pitchFamily="18" charset="0"/>
               <a:cs typeface="Times New Roman" panose="02020603050405020304" pitchFamily="18" charset="0"/>
             </a:endParaRPr>
           </a:p>
@@ -12367,7 +10336,7 @@
         </p:blipFill>
         <p:spPr>
           <a:xfrm>
-            <a:off x="2756069" y="821503"/>
+            <a:off x="2838450" y="812900"/>
             <a:ext cx="1657094" cy="2162153"/>
           </a:xfrm>
           <a:prstGeom prst="rect">
@@ -12391,7 +10360,7 @@
         </p:nvSpPr>
         <p:spPr>
           <a:xfrm>
-            <a:off x="2898816" y="2978749"/>
+            <a:off x="2981197" y="2933620"/>
             <a:ext cx="1371600" cy="165430"/>
           </a:xfrm>
           <a:prstGeom prst="rect">
@@ -12425,7 +10394,14 @@
                 <a:latin typeface="Times New Roman" panose="02020603050405020304" pitchFamily="18" charset="0"/>
                 <a:cs typeface="Times New Roman" panose="02020603050405020304" pitchFamily="18" charset="0"/>
               </a:rPr>
-              <a:t> Структура баг-репорта</a:t>
+              <a:t> </a:t>
+            </a:r>
+            <a:r>
+              <a:rPr lang="ru-RU" sz="1000" kern="0" spc="-40" dirty="0">
+                <a:latin typeface="+mn-lt"/>
+                <a:cs typeface="Times New Roman" panose="02020603050405020304" pitchFamily="18" charset="0"/>
+              </a:rPr>
+              <a:t>Структура баг-репорта</a:t>
             </a:r>
           </a:p>
         </p:txBody>
@@ -12640,7 +10616,7 @@
 </p:sld>
 </file>
 
-<file path=ppt/slides/slide5.xml><?xml version="1.0" encoding="utf-8"?>
+<file path=ppt/slides/slide4.xml><?xml version="1.0" encoding="utf-8"?>
 <p:sld xmlns:a="http://schemas.openxmlformats.org/drawingml/2006/main" xmlns:r="http://schemas.openxmlformats.org/officeDocument/2006/relationships" xmlns:p="http://schemas.openxmlformats.org/presentationml/2006/main" showMasterSp="0">
   <p:cSld>
     <p:spTree>
@@ -12841,7 +10817,7 @@
                   <a:spcPts val="95"/>
                 </a:spcBef>
               </a:pPr>
-              <a:t>5</a:t>
+              <a:t>4</a:t>
             </a:fld>
             <a:endParaRPr lang="ru-RU" spc="-5" dirty="0">
               <a:solidFill>
@@ -13297,7 +11273,7 @@
 </p:sld>
 </file>
 
-<file path=ppt/slides/slide6.xml><?xml version="1.0" encoding="utf-8"?>
+<file path=ppt/slides/slide5.xml><?xml version="1.0" encoding="utf-8"?>
 <p:sld xmlns:a="http://schemas.openxmlformats.org/drawingml/2006/main" xmlns:r="http://schemas.openxmlformats.org/officeDocument/2006/relationships" xmlns:p="http://schemas.openxmlformats.org/presentationml/2006/main" showMasterSp="0">
   <p:cSld>
     <p:spTree>
@@ -13498,7 +11474,7 @@
                   <a:spcPts val="95"/>
                 </a:spcBef>
               </a:pPr>
-              <a:t>6</a:t>
+              <a:t>5</a:t>
             </a:fld>
             <a:endParaRPr lang="ru-RU" spc="-5" dirty="0">
               <a:solidFill>
@@ -13956,7 +11932,7 @@
 </p:sld>
 </file>
 
-<file path=ppt/slides/slide7.xml><?xml version="1.0" encoding="utf-8"?>
+<file path=ppt/slides/slide6.xml><?xml version="1.0" encoding="utf-8"?>
 <p:sld xmlns:a="http://schemas.openxmlformats.org/drawingml/2006/main" xmlns:r="http://schemas.openxmlformats.org/officeDocument/2006/relationships" xmlns:p="http://schemas.openxmlformats.org/presentationml/2006/main" showMasterSp="0">
   <p:cSld>
     <p:spTree>
@@ -14020,10 +11996,20 @@
             </a:pPr>
             <a:r>
               <a:rPr lang="ru-RU" sz="1200" dirty="0">
-                <a:latin typeface="Times New Roman" panose="02020603050405020304" pitchFamily="18" charset="0"/>
-                <a:cs typeface="Times New Roman" panose="02020603050405020304" pitchFamily="18" charset="0"/>
-              </a:rPr>
-              <a:t>Крупные языковые модели</a:t>
+                <a:highlight>
+                  <a:srgbClr val="FFFF00"/>
+                </a:highlight>
+                <a:latin typeface="Times New Roman" panose="02020603050405020304" pitchFamily="18" charset="0"/>
+                <a:cs typeface="Times New Roman" panose="02020603050405020304" pitchFamily="18" charset="0"/>
+              </a:rPr>
+              <a:t>Большие</a:t>
+            </a:r>
+            <a:r>
+              <a:rPr lang="ru-RU" sz="1200" dirty="0">
+                <a:latin typeface="Times New Roman" panose="02020603050405020304" pitchFamily="18" charset="0"/>
+                <a:cs typeface="Times New Roman" panose="02020603050405020304" pitchFamily="18" charset="0"/>
+              </a:rPr>
+              <a:t> языковые модели</a:t>
             </a:r>
             <a:endParaRPr sz="1200" spc="-40" dirty="0">
               <a:latin typeface="Times New Roman" panose="02020603050405020304" pitchFamily="18" charset="0"/>
@@ -14169,7 +12155,7 @@
                   <a:spcPts val="95"/>
                 </a:spcBef>
               </a:pPr>
-              <a:t>7</a:t>
+              <a:t>6</a:t>
             </a:fld>
             <a:endParaRPr lang="ru-RU" spc="-5" dirty="0">
               <a:solidFill>
@@ -14261,13 +12247,20 @@
             </a:pPr>
             <a:r>
               <a:rPr lang="ru-RU" sz="900" b="1" dirty="0">
+                <a:latin typeface="Times New Roman" panose="02020603050405020304" pitchFamily="18" charset="0"/>
+                <a:cs typeface="Times New Roman" panose="02020603050405020304" pitchFamily="18" charset="0"/>
+              </a:rPr>
+              <a:t>Большая</a:t>
+            </a:r>
+            <a:r>
+              <a:rPr lang="ru-RU" sz="900" b="1" dirty="0">
                 <a:solidFill>
                   <a:schemeClr val="tx1"/>
                 </a:solidFill>
                 <a:latin typeface="Times New Roman" panose="02020603050405020304" pitchFamily="18" charset="0"/>
                 <a:cs typeface="Times New Roman" panose="02020603050405020304" pitchFamily="18" charset="0"/>
               </a:rPr>
-              <a:t>Крупная языковая модель </a:t>
+              <a:t> языковая модель </a:t>
             </a:r>
             <a:r>
               <a:rPr lang="ru-RU" sz="900" dirty="0">
@@ -14817,7 +12810,7 @@
 </p:sld>
 </file>
 
-<file path=ppt/slides/slide8.xml><?xml version="1.0" encoding="utf-8"?>
+<file path=ppt/slides/slide7.xml><?xml version="1.0" encoding="utf-8"?>
 <p:sld xmlns:a="http://schemas.openxmlformats.org/drawingml/2006/main" xmlns:r="http://schemas.openxmlformats.org/officeDocument/2006/relationships" xmlns:p="http://schemas.openxmlformats.org/presentationml/2006/main" showMasterSp="0">
   <p:cSld>
     <p:spTree>
@@ -14872,7 +12865,7 @@
                 <a:latin typeface="Times New Roman" panose="02020603050405020304" pitchFamily="18" charset="0"/>
                 <a:cs typeface="Times New Roman" panose="02020603050405020304" pitchFamily="18" charset="0"/>
               </a:rPr>
-              <a:t>Крупные языковые модели</a:t>
+              <a:t>Большие языковые модели</a:t>
             </a:r>
             <a:endParaRPr sz="1200" spc="-40" dirty="0">
               <a:latin typeface="Times New Roman" panose="02020603050405020304" pitchFamily="18" charset="0"/>
@@ -15018,7 +13011,7 @@
                   <a:spcPts val="95"/>
                 </a:spcBef>
               </a:pPr>
-              <a:t>8</a:t>
+              <a:t>7</a:t>
             </a:fld>
             <a:endParaRPr lang="ru-RU" spc="-5" dirty="0">
               <a:solidFill>
@@ -15602,7 +13595,7 @@
 </p:sld>
 </file>
 
-<file path=ppt/slides/slide9.xml><?xml version="1.0" encoding="utf-8"?>
+<file path=ppt/slides/slide8.xml><?xml version="1.0" encoding="utf-8"?>
 <p:sld xmlns:a="http://schemas.openxmlformats.org/drawingml/2006/main" xmlns:r="http://schemas.openxmlformats.org/officeDocument/2006/relationships" xmlns:p="http://schemas.openxmlformats.org/presentationml/2006/main" showMasterSp="0">
   <p:cSld>
     <p:spTree>
@@ -15815,7 +13808,7 @@
                   <a:spcPts val="95"/>
                 </a:spcBef>
               </a:pPr>
-              <a:t>9</a:t>
+              <a:t>8</a:t>
             </a:fld>
             <a:endParaRPr lang="ru-RU" spc="-5" dirty="0">
               <a:solidFill>
@@ -15955,7 +13948,7 @@
           <p:nvPr>
             <p:extLst>
               <p:ext uri="{D42A27DB-BD31-4B8C-83A1-F6EECF244321}">
-                <p14:modId xmlns:p14="http://schemas.microsoft.com/office/powerpoint/2010/main" val="97985338"/>
+                <p14:modId xmlns:p14="http://schemas.microsoft.com/office/powerpoint/2010/main" val="2665614870"/>
               </p:ext>
             </p:extLst>
           </p:nvPr>
@@ -16519,7 +14512,7 @@
                     <a:p>
                       <a:pPr algn="ctr"/>
                       <a:r>
-                        <a:rPr lang="ru-RU" sz="300" dirty="0">
+                        <a:rPr lang="ru-RU" sz="500" dirty="0">
                           <a:latin typeface="Times New Roman" panose="02020603050405020304" pitchFamily="18" charset="0"/>
                           <a:cs typeface="Times New Roman" panose="02020603050405020304" pitchFamily="18" charset="0"/>
                         </a:rPr>
@@ -16819,7 +14812,7 @@
                     <a:p>
                       <a:pPr algn="ctr"/>
                       <a:r>
-                        <a:rPr lang="ru-RU" sz="400" dirty="0">
+                        <a:rPr lang="ru-RU" sz="500" dirty="0">
                           <a:latin typeface="Times New Roman" panose="02020603050405020304" pitchFamily="18" charset="0"/>
                           <a:cs typeface="Times New Roman" panose="02020603050405020304" pitchFamily="18" charset="0"/>
                         </a:rPr>
@@ -17091,7 +15084,7 @@
                     <a:p>
                       <a:pPr algn="ctr"/>
                       <a:r>
-                        <a:rPr lang="ru-RU" sz="400" dirty="0">
+                        <a:rPr lang="ru-RU" sz="500" dirty="0">
                           <a:latin typeface="Times New Roman" panose="02020603050405020304" pitchFamily="18" charset="0"/>
                           <a:cs typeface="Times New Roman" panose="02020603050405020304" pitchFamily="18" charset="0"/>
                         </a:rPr>
@@ -17393,7 +15386,7 @@
                     <a:p>
                       <a:pPr algn="ctr"/>
                       <a:r>
-                        <a:rPr lang="ru-RU" sz="400" dirty="0">
+                        <a:rPr lang="ru-RU" sz="500" dirty="0">
                           <a:latin typeface="Times New Roman" panose="02020603050405020304" pitchFamily="18" charset="0"/>
                           <a:cs typeface="Times New Roman" panose="02020603050405020304" pitchFamily="18" charset="0"/>
                         </a:rPr>
@@ -17670,6 +15663,582 @@
     <p:extLst>
       <p:ext uri="{BB962C8B-B14F-4D97-AF65-F5344CB8AC3E}">
         <p14:creationId xmlns:p14="http://schemas.microsoft.com/office/powerpoint/2010/main" val="4242036603"/>
+      </p:ext>
+    </p:extLst>
+  </p:cSld>
+  <p:clrMapOvr>
+    <a:masterClrMapping/>
+  </p:clrMapOvr>
+  <p:transition>
+    <p:cut/>
+  </p:transition>
+</p:sld>
+</file>
+
+<file path=ppt/slides/slide9.xml><?xml version="1.0" encoding="utf-8"?>
+<p:sld xmlns:a="http://schemas.openxmlformats.org/drawingml/2006/main" xmlns:r="http://schemas.openxmlformats.org/officeDocument/2006/relationships" xmlns:p="http://schemas.openxmlformats.org/presentationml/2006/main" showMasterSp="0">
+  <p:cSld>
+    <p:spTree>
+      <p:nvGrpSpPr>
+        <p:cNvPr id="1" name=""/>
+        <p:cNvGrpSpPr/>
+        <p:nvPr/>
+      </p:nvGrpSpPr>
+      <p:grpSpPr>
+        <a:xfrm>
+          <a:off x="0" y="0"/>
+          <a:ext cx="0" cy="0"/>
+          <a:chOff x="0" y="0"/>
+          <a:chExt cx="0" cy="0"/>
+        </a:xfrm>
+      </p:grpSpPr>
+      <p:sp>
+        <p:nvSpPr>
+          <p:cNvPr id="2" name="object 2"/>
+          <p:cNvSpPr txBox="1">
+            <a:spLocks noGrp="1"/>
+          </p:cNvSpPr>
+          <p:nvPr>
+            <p:ph type="title"/>
+          </p:nvPr>
+        </p:nvSpPr>
+        <p:spPr>
+          <a:xfrm>
+            <a:off x="196935" y="477093"/>
+            <a:ext cx="3896909" cy="196208"/>
+          </a:xfrm>
+          <a:prstGeom prst="rect">
+            <a:avLst/>
+          </a:prstGeom>
+        </p:spPr>
+        <p:txBody>
+          <a:bodyPr vert="horz" wrap="square" lIns="0" tIns="11430" rIns="0" bIns="0" rtlCol="0">
+            <a:spAutoFit/>
+          </a:bodyPr>
+          <a:lstStyle/>
+          <a:p>
+            <a:pPr marL="12700">
+              <a:lnSpc>
+                <a:spcPct val="100000"/>
+              </a:lnSpc>
+              <a:spcBef>
+                <a:spcPts val="90"/>
+              </a:spcBef>
+            </a:pPr>
+            <a:r>
+              <a:rPr lang="ru-RU" sz="1200" dirty="0">
+                <a:solidFill>
+                  <a:schemeClr val="tx1"/>
+                </a:solidFill>
+                <a:latin typeface="Times New Roman" panose="02020603050405020304" pitchFamily="18" charset="0"/>
+                <a:cs typeface="Times New Roman" panose="02020603050405020304" pitchFamily="18" charset="0"/>
+              </a:rPr>
+              <a:t>Архитектура программного решения</a:t>
+            </a:r>
+            <a:endParaRPr sz="1200" spc="-40" dirty="0">
+              <a:latin typeface="Times New Roman" panose="02020603050405020304" pitchFamily="18" charset="0"/>
+              <a:cs typeface="Times New Roman" panose="02020603050405020304" pitchFamily="18" charset="0"/>
+            </a:endParaRPr>
+          </a:p>
+        </p:txBody>
+      </p:sp>
+      <p:sp>
+        <p:nvSpPr>
+          <p:cNvPr id="121" name="Номер слайда 8">
+            <a:extLst>
+              <a:ext uri="{FF2B5EF4-FFF2-40B4-BE49-F238E27FC236}">
+                <a16:creationId xmlns:a16="http://schemas.microsoft.com/office/drawing/2014/main" id="{53F84418-E4D6-E2A5-3E0F-A9A56B4FC5BE}"/>
+              </a:ext>
+            </a:extLst>
+          </p:cNvPr>
+          <p:cNvSpPr txBox="1">
+            <a:spLocks/>
+          </p:cNvSpPr>
+          <p:nvPr/>
+        </p:nvSpPr>
+        <p:spPr>
+          <a:xfrm>
+            <a:off x="-20944" y="3319545"/>
+            <a:ext cx="527293" cy="137203"/>
+          </a:xfrm>
+          <a:prstGeom prst="rect">
+            <a:avLst/>
+          </a:prstGeom>
+        </p:spPr>
+        <p:txBody>
+          <a:bodyPr lIns="0" tIns="0" rIns="0" bIns="0"/>
+          <a:lstStyle>
+            <a:defPPr>
+              <a:defRPr lang="ru-RU"/>
+            </a:defPPr>
+            <a:lvl1pPr marL="0" algn="l" defTabSz="914400" rtl="0" eaLnBrk="1" latinLnBrk="0" hangingPunct="1">
+              <a:defRPr sz="800" b="0" i="0" kern="1200">
+                <a:solidFill>
+                  <a:srgbClr val="00B050"/>
+                </a:solidFill>
+                <a:latin typeface="Times New Roman" panose="02020603050405020304" pitchFamily="18" charset="0"/>
+                <a:ea typeface="+mn-ea"/>
+                <a:cs typeface="Times New Roman" panose="02020603050405020304" pitchFamily="18" charset="0"/>
+              </a:defRPr>
+            </a:lvl1pPr>
+            <a:lvl2pPr marL="457200" algn="l" defTabSz="914400" rtl="0" eaLnBrk="1" latinLnBrk="0" hangingPunct="1">
+              <a:defRPr sz="1800" kern="1200">
+                <a:solidFill>
+                  <a:schemeClr val="tx1"/>
+                </a:solidFill>
+                <a:latin typeface="+mn-lt"/>
+                <a:ea typeface="+mn-ea"/>
+                <a:cs typeface="+mn-cs"/>
+              </a:defRPr>
+            </a:lvl2pPr>
+            <a:lvl3pPr marL="914400" algn="l" defTabSz="914400" rtl="0" eaLnBrk="1" latinLnBrk="0" hangingPunct="1">
+              <a:defRPr sz="1800" kern="1200">
+                <a:solidFill>
+                  <a:schemeClr val="tx1"/>
+                </a:solidFill>
+                <a:latin typeface="+mn-lt"/>
+                <a:ea typeface="+mn-ea"/>
+                <a:cs typeface="+mn-cs"/>
+              </a:defRPr>
+            </a:lvl3pPr>
+            <a:lvl4pPr marL="1371600" algn="l" defTabSz="914400" rtl="0" eaLnBrk="1" latinLnBrk="0" hangingPunct="1">
+              <a:defRPr sz="1800" kern="1200">
+                <a:solidFill>
+                  <a:schemeClr val="tx1"/>
+                </a:solidFill>
+                <a:latin typeface="+mn-lt"/>
+                <a:ea typeface="+mn-ea"/>
+                <a:cs typeface="+mn-cs"/>
+              </a:defRPr>
+            </a:lvl4pPr>
+            <a:lvl5pPr marL="1828800" algn="l" defTabSz="914400" rtl="0" eaLnBrk="1" latinLnBrk="0" hangingPunct="1">
+              <a:defRPr sz="1800" kern="1200">
+                <a:solidFill>
+                  <a:schemeClr val="tx1"/>
+                </a:solidFill>
+                <a:latin typeface="+mn-lt"/>
+                <a:ea typeface="+mn-ea"/>
+                <a:cs typeface="+mn-cs"/>
+              </a:defRPr>
+            </a:lvl5pPr>
+            <a:lvl6pPr marL="2286000" algn="l" defTabSz="914400" rtl="0" eaLnBrk="1" latinLnBrk="0" hangingPunct="1">
+              <a:defRPr sz="1800" kern="1200">
+                <a:solidFill>
+                  <a:schemeClr val="tx1"/>
+                </a:solidFill>
+                <a:latin typeface="+mn-lt"/>
+                <a:ea typeface="+mn-ea"/>
+                <a:cs typeface="+mn-cs"/>
+              </a:defRPr>
+            </a:lvl6pPr>
+            <a:lvl7pPr marL="2743200" algn="l" defTabSz="914400" rtl="0" eaLnBrk="1" latinLnBrk="0" hangingPunct="1">
+              <a:defRPr sz="1800" kern="1200">
+                <a:solidFill>
+                  <a:schemeClr val="tx1"/>
+                </a:solidFill>
+                <a:latin typeface="+mn-lt"/>
+                <a:ea typeface="+mn-ea"/>
+                <a:cs typeface="+mn-cs"/>
+              </a:defRPr>
+            </a:lvl7pPr>
+            <a:lvl8pPr marL="3200400" algn="l" defTabSz="914400" rtl="0" eaLnBrk="1" latinLnBrk="0" hangingPunct="1">
+              <a:defRPr sz="1800" kern="1200">
+                <a:solidFill>
+                  <a:schemeClr val="tx1"/>
+                </a:solidFill>
+                <a:latin typeface="+mn-lt"/>
+                <a:ea typeface="+mn-ea"/>
+                <a:cs typeface="+mn-cs"/>
+              </a:defRPr>
+            </a:lvl8pPr>
+            <a:lvl9pPr marL="3657600" algn="l" defTabSz="914400" rtl="0" eaLnBrk="1" latinLnBrk="0" hangingPunct="1">
+              <a:defRPr sz="1800" kern="1200">
+                <a:solidFill>
+                  <a:schemeClr val="tx1"/>
+                </a:solidFill>
+                <a:latin typeface="+mn-lt"/>
+                <a:ea typeface="+mn-ea"/>
+                <a:cs typeface="+mn-cs"/>
+              </a:defRPr>
+            </a:lvl9pPr>
+          </a:lstStyle>
+          <a:p>
+            <a:pPr marL="38100">
+              <a:spcBef>
+                <a:spcPts val="95"/>
+              </a:spcBef>
+            </a:pPr>
+            <a:fld id="{81D60167-4931-47E6-BA6A-407CBD079E47}" type="slidenum">
+              <a:rPr lang="ru-RU" spc="-5" smtClean="0">
+                <a:solidFill>
+                  <a:srgbClr val="0070C0"/>
+                </a:solidFill>
+              </a:rPr>
+              <a:pPr marL="38100">
+                <a:spcBef>
+                  <a:spcPts val="95"/>
+                </a:spcBef>
+              </a:pPr>
+              <a:t>9</a:t>
+            </a:fld>
+            <a:endParaRPr lang="ru-RU" spc="-5" dirty="0">
+              <a:solidFill>
+                <a:srgbClr val="0070C0"/>
+              </a:solidFill>
+            </a:endParaRPr>
+          </a:p>
+        </p:txBody>
+      </p:sp>
+      <p:cxnSp>
+        <p:nvCxnSpPr>
+          <p:cNvPr id="9" name="Прямая соединительная линия 8">
+            <a:extLst>
+              <a:ext uri="{FF2B5EF4-FFF2-40B4-BE49-F238E27FC236}">
+                <a16:creationId xmlns:a16="http://schemas.microsoft.com/office/drawing/2014/main" id="{15DFC3CF-B111-A4CE-3C17-E25DEAA7304D}"/>
+              </a:ext>
+            </a:extLst>
+          </p:cNvPr>
+          <p:cNvCxnSpPr>
+            <a:cxnSpLocks/>
+          </p:cNvCxnSpPr>
+          <p:nvPr/>
+        </p:nvCxnSpPr>
+        <p:spPr>
+          <a:xfrm>
+            <a:off x="196936" y="763600"/>
+            <a:ext cx="4216227" cy="0"/>
+          </a:xfrm>
+          <a:prstGeom prst="line">
+            <a:avLst/>
+          </a:prstGeom>
+          <a:ln>
+            <a:solidFill>
+              <a:srgbClr val="0070C0"/>
+            </a:solidFill>
+          </a:ln>
+        </p:spPr>
+        <p:style>
+          <a:lnRef idx="1">
+            <a:schemeClr val="accent1"/>
+          </a:lnRef>
+          <a:fillRef idx="0">
+            <a:schemeClr val="accent1"/>
+          </a:fillRef>
+          <a:effectRef idx="0">
+            <a:schemeClr val="accent1"/>
+          </a:effectRef>
+          <a:fontRef idx="minor">
+            <a:schemeClr val="tx1"/>
+          </a:fontRef>
+        </p:style>
+      </p:cxnSp>
+      <p:pic>
+        <p:nvPicPr>
+          <p:cNvPr id="8" name="Рисунок 7">
+            <a:extLst>
+              <a:ext uri="{FF2B5EF4-FFF2-40B4-BE49-F238E27FC236}">
+                <a16:creationId xmlns:a16="http://schemas.microsoft.com/office/drawing/2014/main" id="{87DA96CA-DF86-2D71-C5DD-F20C298A17B5}"/>
+              </a:ext>
+            </a:extLst>
+          </p:cNvPr>
+          <p:cNvPicPr>
+            <a:picLocks noChangeAspect="1"/>
+          </p:cNvPicPr>
+          <p:nvPr/>
+        </p:nvPicPr>
+        <p:blipFill>
+          <a:blip r:embed="rId3"/>
+          <a:stretch>
+            <a:fillRect/>
+          </a:stretch>
+        </p:blipFill>
+        <p:spPr>
+          <a:xfrm>
+            <a:off x="425542" y="869976"/>
+            <a:ext cx="3769994" cy="2319462"/>
+          </a:xfrm>
+          <a:prstGeom prst="rect">
+            <a:avLst/>
+          </a:prstGeom>
+        </p:spPr>
+      </p:pic>
+      <p:sp>
+        <p:nvSpPr>
+          <p:cNvPr id="11" name="Прямоугольник 10">
+            <a:extLst>
+              <a:ext uri="{FF2B5EF4-FFF2-40B4-BE49-F238E27FC236}">
+                <a16:creationId xmlns:a16="http://schemas.microsoft.com/office/drawing/2014/main" id="{C8B6DBE0-6038-4735-F010-EAA98870C787}"/>
+              </a:ext>
+            </a:extLst>
+          </p:cNvPr>
+          <p:cNvSpPr/>
+          <p:nvPr/>
+        </p:nvSpPr>
+        <p:spPr>
+          <a:xfrm>
+            <a:off x="-20944" y="3295813"/>
+            <a:ext cx="4642023" cy="184666"/>
+          </a:xfrm>
+          <a:prstGeom prst="rect">
+            <a:avLst/>
+          </a:prstGeom>
+          <a:solidFill>
+            <a:schemeClr val="accent1">
+              <a:alpha val="20000"/>
+            </a:schemeClr>
+          </a:solidFill>
+          <a:ln>
+            <a:noFill/>
+          </a:ln>
+        </p:spPr>
+        <p:style>
+          <a:lnRef idx="2">
+            <a:schemeClr val="accent1">
+              <a:shade val="15000"/>
+            </a:schemeClr>
+          </a:lnRef>
+          <a:fillRef idx="1">
+            <a:schemeClr val="accent1"/>
+          </a:fillRef>
+          <a:effectRef idx="0">
+            <a:schemeClr val="accent1"/>
+          </a:effectRef>
+          <a:fontRef idx="minor">
+            <a:schemeClr val="lt1"/>
+          </a:fontRef>
+        </p:style>
+        <p:txBody>
+          <a:bodyPr rtlCol="0" anchor="ctr"/>
+          <a:lstStyle/>
+          <a:p>
+            <a:pPr algn="r"/>
+            <a:r>
+              <a:rPr lang="ru-RU" sz="600" b="1" dirty="0">
+                <a:solidFill>
+                  <a:schemeClr val="bg1">
+                    <a:lumMod val="50000"/>
+                  </a:schemeClr>
+                </a:solidFill>
+                <a:latin typeface="Times New Roman" panose="02020603050405020304" pitchFamily="18" charset="0"/>
+                <a:cs typeface="Times New Roman" panose="02020603050405020304" pitchFamily="18" charset="0"/>
+              </a:rPr>
+              <a:t>Автоматизация обработки отчётов об ошибках в программном обеспечении с помощью больших языковых моделей</a:t>
+            </a:r>
+            <a:endParaRPr lang="ru-RU" sz="600" dirty="0">
+              <a:solidFill>
+                <a:schemeClr val="bg1">
+                  <a:lumMod val="50000"/>
+                </a:schemeClr>
+              </a:solidFill>
+            </a:endParaRPr>
+          </a:p>
+        </p:txBody>
+      </p:sp>
+      <p:sp>
+        <p:nvSpPr>
+          <p:cNvPr id="12" name="TextBox 11">
+            <a:extLst>
+              <a:ext uri="{FF2B5EF4-FFF2-40B4-BE49-F238E27FC236}">
+                <a16:creationId xmlns:a16="http://schemas.microsoft.com/office/drawing/2014/main" id="{F6EE6679-3DD7-13C1-9123-F0D439EF1C11}"/>
+              </a:ext>
+            </a:extLst>
+          </p:cNvPr>
+          <p:cNvSpPr txBox="1"/>
+          <p:nvPr/>
+        </p:nvSpPr>
+        <p:spPr>
+          <a:xfrm>
+            <a:off x="0" y="-2933"/>
+            <a:ext cx="4621079" cy="338554"/>
+          </a:xfrm>
+          <a:prstGeom prst="rect">
+            <a:avLst/>
+          </a:prstGeom>
+          <a:solidFill>
+            <a:schemeClr val="accent1">
+              <a:alpha val="20000"/>
+            </a:schemeClr>
+          </a:solidFill>
+        </p:spPr>
+        <p:txBody>
+          <a:bodyPr wrap="square" rtlCol="0">
+            <a:spAutoFit/>
+          </a:bodyPr>
+          <a:lstStyle/>
+          <a:p>
+            <a:pPr algn="just"/>
+            <a:r>
+              <a:rPr lang="ru-RU" sz="800" dirty="0">
+                <a:solidFill>
+                  <a:schemeClr val="bg1">
+                    <a:lumMod val="75000"/>
+                  </a:schemeClr>
+                </a:solidFill>
+                <a:latin typeface="Times New Roman" panose="02020603050405020304" pitchFamily="18" charset="0"/>
+                <a:cs typeface="Times New Roman" panose="02020603050405020304" pitchFamily="18" charset="0"/>
+              </a:rPr>
+              <a:t>Введение</a:t>
+            </a:r>
+            <a:r>
+              <a:rPr lang="ru-RU" sz="800" dirty="0">
+                <a:latin typeface="Times New Roman" panose="02020603050405020304" pitchFamily="18" charset="0"/>
+                <a:cs typeface="Times New Roman" panose="02020603050405020304" pitchFamily="18" charset="0"/>
+              </a:rPr>
+              <a:t> </a:t>
+            </a:r>
+            <a:r>
+              <a:rPr lang="en-US" sz="800" dirty="0">
+                <a:solidFill>
+                  <a:schemeClr val="bg1">
+                    <a:lumMod val="75000"/>
+                  </a:schemeClr>
+                </a:solidFill>
+                <a:latin typeface="Times New Roman" panose="02020603050405020304" pitchFamily="18" charset="0"/>
+                <a:cs typeface="Times New Roman" panose="02020603050405020304" pitchFamily="18" charset="0"/>
+              </a:rPr>
+              <a:t>| </a:t>
+            </a:r>
+            <a:r>
+              <a:rPr lang="ru-RU" sz="800" dirty="0">
+                <a:solidFill>
+                  <a:schemeClr val="bg1">
+                    <a:lumMod val="75000"/>
+                  </a:schemeClr>
+                </a:solidFill>
+                <a:latin typeface="Times New Roman" panose="02020603050405020304" pitchFamily="18" charset="0"/>
+                <a:cs typeface="Times New Roman" panose="02020603050405020304" pitchFamily="18" charset="0"/>
+              </a:rPr>
+              <a:t>Структура баг-репорта </a:t>
+            </a:r>
+            <a:r>
+              <a:rPr lang="en-US" sz="800" dirty="0">
+                <a:solidFill>
+                  <a:schemeClr val="bg1">
+                    <a:lumMod val="75000"/>
+                  </a:schemeClr>
+                </a:solidFill>
+                <a:latin typeface="Times New Roman" panose="02020603050405020304" pitchFamily="18" charset="0"/>
+                <a:cs typeface="Times New Roman" panose="02020603050405020304" pitchFamily="18" charset="0"/>
+              </a:rPr>
+              <a:t>|</a:t>
+            </a:r>
+            <a:r>
+              <a:rPr lang="ru-RU" sz="800" dirty="0">
+                <a:solidFill>
+                  <a:schemeClr val="bg1">
+                    <a:lumMod val="75000"/>
+                  </a:schemeClr>
+                </a:solidFill>
+                <a:latin typeface="Times New Roman" panose="02020603050405020304" pitchFamily="18" charset="0"/>
+                <a:cs typeface="Times New Roman" panose="02020603050405020304" pitchFamily="18" charset="0"/>
+              </a:rPr>
+              <a:t> Проблемы и актуальность</a:t>
+            </a:r>
+            <a:r>
+              <a:rPr lang="en-US" sz="800" dirty="0">
+                <a:solidFill>
+                  <a:schemeClr val="bg1">
+                    <a:lumMod val="75000"/>
+                  </a:schemeClr>
+                </a:solidFill>
+                <a:latin typeface="Times New Roman" panose="02020603050405020304" pitchFamily="18" charset="0"/>
+                <a:cs typeface="Times New Roman" panose="02020603050405020304" pitchFamily="18" charset="0"/>
+              </a:rPr>
+              <a:t> | </a:t>
+            </a:r>
+            <a:r>
+              <a:rPr lang="ru-RU" sz="800" dirty="0">
+                <a:solidFill>
+                  <a:schemeClr val="bg1">
+                    <a:lumMod val="75000"/>
+                  </a:schemeClr>
+                </a:solidFill>
+                <a:latin typeface="Times New Roman" panose="02020603050405020304" pitchFamily="18" charset="0"/>
+                <a:cs typeface="Times New Roman" panose="02020603050405020304" pitchFamily="18" charset="0"/>
+              </a:rPr>
+              <a:t>Сравнение языковых моделей </a:t>
+            </a:r>
+            <a:r>
+              <a:rPr lang="en-US" sz="800" dirty="0">
+                <a:solidFill>
+                  <a:schemeClr val="bg1">
+                    <a:lumMod val="75000"/>
+                  </a:schemeClr>
+                </a:solidFill>
+                <a:latin typeface="Times New Roman" panose="02020603050405020304" pitchFamily="18" charset="0"/>
+                <a:cs typeface="Times New Roman" panose="02020603050405020304" pitchFamily="18" charset="0"/>
+              </a:rPr>
+              <a:t>| </a:t>
+            </a:r>
+            <a:r>
+              <a:rPr lang="ru-RU" sz="800" dirty="0">
+                <a:latin typeface="Times New Roman" panose="02020603050405020304" pitchFamily="18" charset="0"/>
+                <a:cs typeface="Times New Roman" panose="02020603050405020304" pitchFamily="18" charset="0"/>
+              </a:rPr>
+              <a:t>Программная реализация и тестирование</a:t>
+            </a:r>
+            <a:r>
+              <a:rPr lang="en-US" sz="800" dirty="0">
+                <a:latin typeface="Times New Roman" panose="02020603050405020304" pitchFamily="18" charset="0"/>
+                <a:cs typeface="Times New Roman" panose="02020603050405020304" pitchFamily="18" charset="0"/>
+              </a:rPr>
+              <a:t> </a:t>
+            </a:r>
+            <a:r>
+              <a:rPr lang="en-US" sz="800" dirty="0">
+                <a:solidFill>
+                  <a:schemeClr val="bg1">
+                    <a:lumMod val="75000"/>
+                  </a:schemeClr>
+                </a:solidFill>
+                <a:latin typeface="Times New Roman" panose="02020603050405020304" pitchFamily="18" charset="0"/>
+                <a:cs typeface="Times New Roman" panose="02020603050405020304" pitchFamily="18" charset="0"/>
+              </a:rPr>
+              <a:t>| </a:t>
+            </a:r>
+            <a:r>
+              <a:rPr lang="ru-RU" sz="800" dirty="0">
+                <a:solidFill>
+                  <a:schemeClr val="bg1">
+                    <a:lumMod val="75000"/>
+                  </a:schemeClr>
+                </a:solidFill>
+                <a:latin typeface="Times New Roman" panose="02020603050405020304" pitchFamily="18" charset="0"/>
+                <a:cs typeface="Times New Roman" panose="02020603050405020304" pitchFamily="18" charset="0"/>
+              </a:rPr>
+              <a:t>Анализ результатов</a:t>
+            </a:r>
+            <a:r>
+              <a:rPr lang="en-US" sz="800" dirty="0">
+                <a:solidFill>
+                  <a:schemeClr val="bg1">
+                    <a:lumMod val="75000"/>
+                  </a:schemeClr>
+                </a:solidFill>
+                <a:latin typeface="Times New Roman" panose="02020603050405020304" pitchFamily="18" charset="0"/>
+                <a:cs typeface="Times New Roman" panose="02020603050405020304" pitchFamily="18" charset="0"/>
+              </a:rPr>
+              <a:t> |</a:t>
+            </a:r>
+            <a:r>
+              <a:rPr lang="ru-RU" sz="800" dirty="0">
+                <a:solidFill>
+                  <a:schemeClr val="bg1">
+                    <a:lumMod val="75000"/>
+                  </a:schemeClr>
+                </a:solidFill>
+                <a:latin typeface="Times New Roman" panose="02020603050405020304" pitchFamily="18" charset="0"/>
+                <a:cs typeface="Times New Roman" panose="02020603050405020304" pitchFamily="18" charset="0"/>
+              </a:rPr>
+              <a:t> Заключение</a:t>
+            </a:r>
+          </a:p>
+        </p:txBody>
+      </p:sp>
+    </p:spTree>
+    <p:extLst>
+      <p:ext uri="{BB962C8B-B14F-4D97-AF65-F5344CB8AC3E}">
+        <p14:creationId xmlns:p14="http://schemas.microsoft.com/office/powerpoint/2010/main" val="2254894112"/>
       </p:ext>
     </p:extLst>
   </p:cSld>
